--- a/resources/Presentation1.pptx
+++ b/resources/Presentation1.pptx
@@ -7,6 +7,7 @@
   <p:sldIdLst>
     <p:sldId id="256" r:id="rId2"/>
     <p:sldId id="257" r:id="rId3"/>
+    <p:sldId id="258" r:id="rId4"/>
   </p:sldIdLst>
   <p:sldSz cx="9144000" cy="6858000" type="screen4x3"/>
   <p:notesSz cx="6858000" cy="9144000"/>
@@ -289,7 +290,7 @@
           <a:p>
             <a:fld id="{52F25E00-0E50-1E46-B438-41C2AF5E2D41}" type="datetimeFigureOut">
               <a:rPr lang="en-US" smtClean="0"/>
-              <a:t>5/07/18</a:t>
+              <a:t>7/07/18</a:t>
             </a:fld>
             <a:endParaRPr lang="en-US"/>
           </a:p>
@@ -459,7 +460,7 @@
           <a:p>
             <a:fld id="{52F25E00-0E50-1E46-B438-41C2AF5E2D41}" type="datetimeFigureOut">
               <a:rPr lang="en-US" smtClean="0"/>
-              <a:t>5/07/18</a:t>
+              <a:t>7/07/18</a:t>
             </a:fld>
             <a:endParaRPr lang="en-US"/>
           </a:p>
@@ -639,7 +640,7 @@
           <a:p>
             <a:fld id="{52F25E00-0E50-1E46-B438-41C2AF5E2D41}" type="datetimeFigureOut">
               <a:rPr lang="en-US" smtClean="0"/>
-              <a:t>5/07/18</a:t>
+              <a:t>7/07/18</a:t>
             </a:fld>
             <a:endParaRPr lang="en-US"/>
           </a:p>
@@ -809,7 +810,7 @@
           <a:p>
             <a:fld id="{52F25E00-0E50-1E46-B438-41C2AF5E2D41}" type="datetimeFigureOut">
               <a:rPr lang="en-US" smtClean="0"/>
-              <a:t>5/07/18</a:t>
+              <a:t>7/07/18</a:t>
             </a:fld>
             <a:endParaRPr lang="en-US"/>
           </a:p>
@@ -1055,7 +1056,7 @@
           <a:p>
             <a:fld id="{52F25E00-0E50-1E46-B438-41C2AF5E2D41}" type="datetimeFigureOut">
               <a:rPr lang="en-US" smtClean="0"/>
-              <a:t>5/07/18</a:t>
+              <a:t>7/07/18</a:t>
             </a:fld>
             <a:endParaRPr lang="en-US"/>
           </a:p>
@@ -1343,7 +1344,7 @@
           <a:p>
             <a:fld id="{52F25E00-0E50-1E46-B438-41C2AF5E2D41}" type="datetimeFigureOut">
               <a:rPr lang="en-US" smtClean="0"/>
-              <a:t>5/07/18</a:t>
+              <a:t>7/07/18</a:t>
             </a:fld>
             <a:endParaRPr lang="en-US"/>
           </a:p>
@@ -1765,7 +1766,7 @@
           <a:p>
             <a:fld id="{52F25E00-0E50-1E46-B438-41C2AF5E2D41}" type="datetimeFigureOut">
               <a:rPr lang="en-US" smtClean="0"/>
-              <a:t>5/07/18</a:t>
+              <a:t>7/07/18</a:t>
             </a:fld>
             <a:endParaRPr lang="en-US"/>
           </a:p>
@@ -1883,7 +1884,7 @@
           <a:p>
             <a:fld id="{52F25E00-0E50-1E46-B438-41C2AF5E2D41}" type="datetimeFigureOut">
               <a:rPr lang="en-US" smtClean="0"/>
-              <a:t>5/07/18</a:t>
+              <a:t>7/07/18</a:t>
             </a:fld>
             <a:endParaRPr lang="en-US"/>
           </a:p>
@@ -1978,7 +1979,7 @@
           <a:p>
             <a:fld id="{52F25E00-0E50-1E46-B438-41C2AF5E2D41}" type="datetimeFigureOut">
               <a:rPr lang="en-US" smtClean="0"/>
-              <a:t>5/07/18</a:t>
+              <a:t>7/07/18</a:t>
             </a:fld>
             <a:endParaRPr lang="en-US"/>
           </a:p>
@@ -2255,7 +2256,7 @@
           <a:p>
             <a:fld id="{52F25E00-0E50-1E46-B438-41C2AF5E2D41}" type="datetimeFigureOut">
               <a:rPr lang="en-US" smtClean="0"/>
-              <a:t>5/07/18</a:t>
+              <a:t>7/07/18</a:t>
             </a:fld>
             <a:endParaRPr lang="en-US"/>
           </a:p>
@@ -2508,7 +2509,7 @@
           <a:p>
             <a:fld id="{52F25E00-0E50-1E46-B438-41C2AF5E2D41}" type="datetimeFigureOut">
               <a:rPr lang="en-US" smtClean="0"/>
-              <a:t>5/07/18</a:t>
+              <a:t>7/07/18</a:t>
             </a:fld>
             <a:endParaRPr lang="en-US"/>
           </a:p>
@@ -2721,7 +2722,7 @@
           <a:p>
             <a:fld id="{52F25E00-0E50-1E46-B438-41C2AF5E2D41}" type="datetimeFigureOut">
               <a:rPr lang="en-US" smtClean="0"/>
-              <a:t>5/07/18</a:t>
+              <a:t>7/07/18</a:t>
             </a:fld>
             <a:endParaRPr lang="en-US"/>
           </a:p>
@@ -3096,399 +3097,414 @@
           <a:chExt cx="0" cy="0"/>
         </a:xfrm>
       </p:grpSpPr>
-      <p:sp>
-        <p:nvSpPr>
-          <p:cNvPr id="5" name="Trapezoid 4"/>
-          <p:cNvSpPr/>
+      <p:grpSp>
+        <p:nvGrpSpPr>
+          <p:cNvPr id="2" name="Group 1"/>
+          <p:cNvGrpSpPr/>
           <p:nvPr/>
-        </p:nvSpPr>
-        <p:spPr>
+        </p:nvGrpSpPr>
+        <p:grpSpPr>
           <a:xfrm>
-            <a:off x="3888637" y="2857868"/>
-            <a:ext cx="1641230" cy="1584763"/>
+            <a:off x="2499145" y="1720001"/>
+            <a:ext cx="4414341" cy="3698038"/>
+            <a:chOff x="2499145" y="1720001"/>
+            <a:chExt cx="4414341" cy="3698038"/>
           </a:xfrm>
-          <a:prstGeom prst="trapezoid">
-            <a:avLst/>
-          </a:prstGeom>
-          <a:solidFill>
-            <a:schemeClr val="accent6">
-              <a:lumMod val="60000"/>
-              <a:lumOff val="40000"/>
-            </a:schemeClr>
-          </a:solidFill>
-          <a:ln>
+        </p:grpSpPr>
+        <p:sp>
+          <p:nvSpPr>
+            <p:cNvPr id="5" name="Trapezoid 4"/>
+            <p:cNvSpPr/>
+            <p:nvPr/>
+          </p:nvSpPr>
+          <p:spPr>
+            <a:xfrm>
+              <a:off x="3888637" y="2857868"/>
+              <a:ext cx="1641230" cy="1584763"/>
+            </a:xfrm>
+            <a:prstGeom prst="trapezoid">
+              <a:avLst/>
+            </a:prstGeom>
+            <a:solidFill>
+              <a:schemeClr val="accent6">
+                <a:lumMod val="60000"/>
+                <a:lumOff val="40000"/>
+              </a:schemeClr>
+            </a:solidFill>
+            <a:ln>
+              <a:solidFill>
+                <a:schemeClr val="tx1"/>
+              </a:solidFill>
+            </a:ln>
+            <a:effectLst/>
+          </p:spPr>
+          <p:style>
+            <a:lnRef idx="1">
+              <a:schemeClr val="accent1"/>
+            </a:lnRef>
+            <a:fillRef idx="3">
+              <a:schemeClr val="accent1"/>
+            </a:fillRef>
+            <a:effectRef idx="2">
+              <a:schemeClr val="accent1"/>
+            </a:effectRef>
+            <a:fontRef idx="minor">
+              <a:schemeClr val="lt1"/>
+            </a:fontRef>
+          </p:style>
+          <p:txBody>
+            <a:bodyPr rtlCol="0" anchor="ctr"/>
+            <a:lstStyle/>
+            <a:p>
+              <a:pPr algn="ctr"/>
+              <a:endParaRPr lang="en-US"/>
+            </a:p>
+          </p:txBody>
+        </p:sp>
+        <p:sp>
+          <p:nvSpPr>
+            <p:cNvPr id="4" name="Hexagon 3"/>
+            <p:cNvSpPr/>
+            <p:nvPr/>
+          </p:nvSpPr>
+          <p:spPr>
+            <a:xfrm>
+              <a:off x="2499145" y="4314365"/>
+              <a:ext cx="4414341" cy="1103674"/>
+            </a:xfrm>
+            <a:prstGeom prst="hexagon">
+              <a:avLst/>
+            </a:prstGeom>
+            <a:solidFill>
+              <a:schemeClr val="accent2">
+                <a:lumMod val="60000"/>
+                <a:lumOff val="40000"/>
+              </a:schemeClr>
+            </a:solidFill>
+            <a:ln>
+              <a:solidFill>
+                <a:schemeClr val="tx1"/>
+              </a:solidFill>
+            </a:ln>
+            <a:effectLst/>
+          </p:spPr>
+          <p:style>
+            <a:lnRef idx="1">
+              <a:schemeClr val="accent1"/>
+            </a:lnRef>
+            <a:fillRef idx="3">
+              <a:schemeClr val="accent1"/>
+            </a:fillRef>
+            <a:effectRef idx="2">
+              <a:schemeClr val="accent1"/>
+            </a:effectRef>
+            <a:fontRef idx="minor">
+              <a:schemeClr val="lt1"/>
+            </a:fontRef>
+          </p:style>
+          <p:txBody>
+            <a:bodyPr rtlCol="0" anchor="ctr"/>
+            <a:lstStyle/>
+            <a:p>
+              <a:pPr algn="ctr"/>
+              <a:endParaRPr lang="en-US"/>
+            </a:p>
+          </p:txBody>
+        </p:sp>
+        <p:sp>
+          <p:nvSpPr>
+            <p:cNvPr id="6" name="Snip Same Side Corner Rectangle 5"/>
+            <p:cNvSpPr/>
+            <p:nvPr/>
+          </p:nvSpPr>
+          <p:spPr>
+            <a:xfrm>
+              <a:off x="3888637" y="1720001"/>
+              <a:ext cx="1641230" cy="1358369"/>
+            </a:xfrm>
+            <a:prstGeom prst="snip2SameRect">
+              <a:avLst/>
+            </a:prstGeom>
+            <a:solidFill>
+              <a:schemeClr val="bg1">
+                <a:lumMod val="95000"/>
+              </a:schemeClr>
+            </a:solidFill>
+            <a:ln>
+              <a:solidFill>
+                <a:schemeClr val="tx1"/>
+              </a:solidFill>
+            </a:ln>
+            <a:effectLst/>
+          </p:spPr>
+          <p:style>
+            <a:lnRef idx="1">
+              <a:schemeClr val="accent1"/>
+            </a:lnRef>
+            <a:fillRef idx="3">
+              <a:schemeClr val="accent1"/>
+            </a:fillRef>
+            <a:effectRef idx="2">
+              <a:schemeClr val="accent1"/>
+            </a:effectRef>
+            <a:fontRef idx="minor">
+              <a:schemeClr val="lt1"/>
+            </a:fontRef>
+          </p:style>
+          <p:txBody>
+            <a:bodyPr rtlCol="0" anchor="ctr"/>
+            <a:lstStyle/>
+            <a:p>
+              <a:pPr algn="ctr"/>
+              <a:endParaRPr lang="en-US"/>
+            </a:p>
+          </p:txBody>
+        </p:sp>
+        <p:sp>
+          <p:nvSpPr>
+            <p:cNvPr id="13" name="Freeform 12"/>
+            <p:cNvSpPr/>
+            <p:nvPr/>
+          </p:nvSpPr>
+          <p:spPr>
+            <a:xfrm>
+              <a:off x="4122001" y="2654249"/>
+              <a:ext cx="1160177" cy="282992"/>
+            </a:xfrm>
+            <a:custGeom>
+              <a:avLst/>
+              <a:gdLst>
+                <a:gd name="connsiteX0" fmla="*/ 0 w 2116768"/>
+                <a:gd name="connsiteY0" fmla="*/ 0 h 529266"/>
+                <a:gd name="connsiteX1" fmla="*/ 1076024 w 2116768"/>
+                <a:gd name="connsiteY1" fmla="*/ 529235 h 529266"/>
+                <a:gd name="connsiteX2" fmla="*/ 2116768 w 2116768"/>
+                <a:gd name="connsiteY2" fmla="*/ 17641 h 529266"/>
+              </a:gdLst>
+              <a:ahLst/>
+              <a:cxnLst>
+                <a:cxn ang="0">
+                  <a:pos x="connsiteX0" y="connsiteY0"/>
+                </a:cxn>
+                <a:cxn ang="0">
+                  <a:pos x="connsiteX1" y="connsiteY1"/>
+                </a:cxn>
+                <a:cxn ang="0">
+                  <a:pos x="connsiteX2" y="connsiteY2"/>
+                </a:cxn>
+              </a:cxnLst>
+              <a:rect l="l" t="t" r="r" b="b"/>
+              <a:pathLst>
+                <a:path w="2116768" h="529266">
+                  <a:moveTo>
+                    <a:pt x="0" y="0"/>
+                  </a:moveTo>
+                  <a:cubicBezTo>
+                    <a:pt x="361614" y="263147"/>
+                    <a:pt x="723229" y="526295"/>
+                    <a:pt x="1076024" y="529235"/>
+                  </a:cubicBezTo>
+                  <a:cubicBezTo>
+                    <a:pt x="1428819" y="532175"/>
+                    <a:pt x="1925671" y="332242"/>
+                    <a:pt x="2116768" y="17641"/>
+                  </a:cubicBezTo>
+                </a:path>
+              </a:pathLst>
+            </a:custGeom>
+            <a:ln w="38100" cmpd="sng">
+              <a:solidFill>
+                <a:srgbClr val="000000"/>
+              </a:solidFill>
+            </a:ln>
+            <a:effectLst/>
+          </p:spPr>
+          <p:style>
+            <a:lnRef idx="2">
+              <a:schemeClr val="accent1"/>
+            </a:lnRef>
+            <a:fillRef idx="0">
+              <a:schemeClr val="accent1"/>
+            </a:fillRef>
+            <a:effectRef idx="1">
+              <a:schemeClr val="accent1"/>
+            </a:effectRef>
+            <a:fontRef idx="minor">
+              <a:schemeClr val="tx1"/>
+            </a:fontRef>
+          </p:style>
+          <p:txBody>
+            <a:bodyPr rtlCol="0" anchor="ctr"/>
+            <a:lstStyle/>
+            <a:p>
+              <a:pPr algn="ctr"/>
+              <a:endParaRPr lang="en-US"/>
+            </a:p>
+          </p:txBody>
+        </p:sp>
+        <p:sp>
+          <p:nvSpPr>
+            <p:cNvPr id="14" name="Oval 13"/>
+            <p:cNvSpPr/>
+            <p:nvPr/>
+          </p:nvSpPr>
+          <p:spPr>
+            <a:xfrm>
+              <a:off x="4225815" y="2108128"/>
+              <a:ext cx="264596" cy="264596"/>
+            </a:xfrm>
+            <a:prstGeom prst="ellipse">
+              <a:avLst/>
+            </a:prstGeom>
             <a:solidFill>
               <a:schemeClr val="tx1"/>
             </a:solidFill>
-          </a:ln>
-          <a:effectLst/>
-        </p:spPr>
-        <p:style>
-          <a:lnRef idx="1">
-            <a:schemeClr val="accent1"/>
-          </a:lnRef>
-          <a:fillRef idx="3">
-            <a:schemeClr val="accent1"/>
-          </a:fillRef>
-          <a:effectRef idx="2">
-            <a:schemeClr val="accent1"/>
-          </a:effectRef>
-          <a:fontRef idx="minor">
-            <a:schemeClr val="lt1"/>
-          </a:fontRef>
-        </p:style>
-        <p:txBody>
-          <a:bodyPr rtlCol="0" anchor="ctr"/>
-          <a:lstStyle/>
-          <a:p>
-            <a:pPr algn="ctr"/>
-            <a:endParaRPr lang="en-US"/>
-          </a:p>
-        </p:txBody>
-      </p:sp>
-      <p:sp>
-        <p:nvSpPr>
-          <p:cNvPr id="4" name="Hexagon 3"/>
-          <p:cNvSpPr/>
-          <p:nvPr/>
-        </p:nvSpPr>
-        <p:spPr>
-          <a:xfrm>
-            <a:off x="2499145" y="4314365"/>
-            <a:ext cx="4414341" cy="1103674"/>
-          </a:xfrm>
-          <a:prstGeom prst="hexagon">
-            <a:avLst/>
-          </a:prstGeom>
-          <a:solidFill>
-            <a:schemeClr val="accent2">
-              <a:lumMod val="60000"/>
-              <a:lumOff val="40000"/>
-            </a:schemeClr>
-          </a:solidFill>
-          <a:ln>
+            <a:ln>
+              <a:noFill/>
+            </a:ln>
+            <a:effectLst/>
+          </p:spPr>
+          <p:style>
+            <a:lnRef idx="1">
+              <a:schemeClr val="accent1"/>
+            </a:lnRef>
+            <a:fillRef idx="3">
+              <a:schemeClr val="accent1"/>
+            </a:fillRef>
+            <a:effectRef idx="2">
+              <a:schemeClr val="accent1"/>
+            </a:effectRef>
+            <a:fontRef idx="minor">
+              <a:schemeClr val="lt1"/>
+            </a:fontRef>
+          </p:style>
+          <p:txBody>
+            <a:bodyPr rtlCol="0" anchor="ctr"/>
+            <a:lstStyle/>
+            <a:p>
+              <a:pPr algn="ctr"/>
+              <a:endParaRPr lang="en-US"/>
+            </a:p>
+          </p:txBody>
+        </p:sp>
+        <p:cxnSp>
+          <p:nvCxnSpPr>
+            <p:cNvPr id="16" name="Straight Connector 15"/>
+            <p:cNvCxnSpPr/>
+            <p:nvPr/>
+          </p:nvCxnSpPr>
+          <p:spPr>
+            <a:xfrm>
+              <a:off x="4225815" y="1896434"/>
+              <a:ext cx="282236" cy="211694"/>
+            </a:xfrm>
+            <a:prstGeom prst="line">
+              <a:avLst/>
+            </a:prstGeom>
+            <a:ln w="38100" cmpd="sng">
+              <a:solidFill>
+                <a:schemeClr val="tx1"/>
+              </a:solidFill>
+            </a:ln>
+            <a:effectLst/>
+          </p:spPr>
+          <p:style>
+            <a:lnRef idx="2">
+              <a:schemeClr val="accent1"/>
+            </a:lnRef>
+            <a:fillRef idx="0">
+              <a:schemeClr val="accent1"/>
+            </a:fillRef>
+            <a:effectRef idx="1">
+              <a:schemeClr val="accent1"/>
+            </a:effectRef>
+            <a:fontRef idx="minor">
+              <a:schemeClr val="tx1"/>
+            </a:fontRef>
+          </p:style>
+        </p:cxnSp>
+        <p:sp>
+          <p:nvSpPr>
+            <p:cNvPr id="18" name="Oval 17"/>
+            <p:cNvSpPr/>
+            <p:nvPr/>
+          </p:nvSpPr>
+          <p:spPr>
+            <a:xfrm flipH="1">
+              <a:off x="4929380" y="2110589"/>
+              <a:ext cx="264596" cy="264596"/>
+            </a:xfrm>
+            <a:prstGeom prst="ellipse">
+              <a:avLst/>
+            </a:prstGeom>
             <a:solidFill>
               <a:schemeClr val="tx1"/>
             </a:solidFill>
-          </a:ln>
-          <a:effectLst/>
-        </p:spPr>
-        <p:style>
-          <a:lnRef idx="1">
-            <a:schemeClr val="accent1"/>
-          </a:lnRef>
-          <a:fillRef idx="3">
-            <a:schemeClr val="accent1"/>
-          </a:fillRef>
-          <a:effectRef idx="2">
-            <a:schemeClr val="accent1"/>
-          </a:effectRef>
-          <a:fontRef idx="minor">
-            <a:schemeClr val="lt1"/>
-          </a:fontRef>
-        </p:style>
-        <p:txBody>
-          <a:bodyPr rtlCol="0" anchor="ctr"/>
-          <a:lstStyle/>
-          <a:p>
-            <a:pPr algn="ctr"/>
-            <a:endParaRPr lang="en-US"/>
-          </a:p>
-        </p:txBody>
-      </p:sp>
-      <p:sp>
-        <p:nvSpPr>
-          <p:cNvPr id="6" name="Snip Same Side Corner Rectangle 5"/>
-          <p:cNvSpPr/>
-          <p:nvPr/>
-        </p:nvSpPr>
-        <p:spPr>
-          <a:xfrm>
-            <a:off x="3888637" y="1720001"/>
-            <a:ext cx="1641230" cy="1358369"/>
-          </a:xfrm>
-          <a:prstGeom prst="snip2SameRect">
-            <a:avLst/>
-          </a:prstGeom>
-          <a:solidFill>
-            <a:schemeClr val="bg1">
-              <a:lumMod val="95000"/>
-            </a:schemeClr>
-          </a:solidFill>
-          <a:ln>
-            <a:solidFill>
+            <a:ln>
+              <a:noFill/>
+            </a:ln>
+            <a:effectLst/>
+          </p:spPr>
+          <p:style>
+            <a:lnRef idx="1">
+              <a:schemeClr val="accent1"/>
+            </a:lnRef>
+            <a:fillRef idx="3">
+              <a:schemeClr val="accent1"/>
+            </a:fillRef>
+            <a:effectRef idx="2">
+              <a:schemeClr val="accent1"/>
+            </a:effectRef>
+            <a:fontRef idx="minor">
+              <a:schemeClr val="lt1"/>
+            </a:fontRef>
+          </p:style>
+          <p:txBody>
+            <a:bodyPr rtlCol="0" anchor="ctr"/>
+            <a:lstStyle/>
+            <a:p>
+              <a:pPr algn="ctr"/>
+              <a:endParaRPr lang="en-US"/>
+            </a:p>
+          </p:txBody>
+        </p:sp>
+        <p:cxnSp>
+          <p:nvCxnSpPr>
+            <p:cNvPr id="19" name="Straight Connector 18"/>
+            <p:cNvCxnSpPr/>
+            <p:nvPr/>
+          </p:nvCxnSpPr>
+          <p:spPr>
+            <a:xfrm flipH="1">
+              <a:off x="4929380" y="1898895"/>
+              <a:ext cx="282236" cy="211694"/>
+            </a:xfrm>
+            <a:prstGeom prst="line">
+              <a:avLst/>
+            </a:prstGeom>
+            <a:ln w="38100" cmpd="sng">
+              <a:solidFill>
+                <a:schemeClr val="tx1"/>
+              </a:solidFill>
+            </a:ln>
+            <a:effectLst/>
+          </p:spPr>
+          <p:style>
+            <a:lnRef idx="2">
+              <a:schemeClr val="accent1"/>
+            </a:lnRef>
+            <a:fillRef idx="0">
+              <a:schemeClr val="accent1"/>
+            </a:fillRef>
+            <a:effectRef idx="1">
+              <a:schemeClr val="accent1"/>
+            </a:effectRef>
+            <a:fontRef idx="minor">
               <a:schemeClr val="tx1"/>
-            </a:solidFill>
-          </a:ln>
-          <a:effectLst/>
-        </p:spPr>
-        <p:style>
-          <a:lnRef idx="1">
-            <a:schemeClr val="accent1"/>
-          </a:lnRef>
-          <a:fillRef idx="3">
-            <a:schemeClr val="accent1"/>
-          </a:fillRef>
-          <a:effectRef idx="2">
-            <a:schemeClr val="accent1"/>
-          </a:effectRef>
-          <a:fontRef idx="minor">
-            <a:schemeClr val="lt1"/>
-          </a:fontRef>
-        </p:style>
-        <p:txBody>
-          <a:bodyPr rtlCol="0" anchor="ctr"/>
-          <a:lstStyle/>
-          <a:p>
-            <a:pPr algn="ctr"/>
-            <a:endParaRPr lang="en-US"/>
-          </a:p>
-        </p:txBody>
-      </p:sp>
-      <p:sp>
-        <p:nvSpPr>
-          <p:cNvPr id="13" name="Freeform 12"/>
-          <p:cNvSpPr/>
-          <p:nvPr/>
-        </p:nvSpPr>
-        <p:spPr>
-          <a:xfrm>
-            <a:off x="4122001" y="2654249"/>
-            <a:ext cx="1160177" cy="282992"/>
-          </a:xfrm>
-          <a:custGeom>
-            <a:avLst/>
-            <a:gdLst>
-              <a:gd name="connsiteX0" fmla="*/ 0 w 2116768"/>
-              <a:gd name="connsiteY0" fmla="*/ 0 h 529266"/>
-              <a:gd name="connsiteX1" fmla="*/ 1076024 w 2116768"/>
-              <a:gd name="connsiteY1" fmla="*/ 529235 h 529266"/>
-              <a:gd name="connsiteX2" fmla="*/ 2116768 w 2116768"/>
-              <a:gd name="connsiteY2" fmla="*/ 17641 h 529266"/>
-            </a:gdLst>
-            <a:ahLst/>
-            <a:cxnLst>
-              <a:cxn ang="0">
-                <a:pos x="connsiteX0" y="connsiteY0"/>
-              </a:cxn>
-              <a:cxn ang="0">
-                <a:pos x="connsiteX1" y="connsiteY1"/>
-              </a:cxn>
-              <a:cxn ang="0">
-                <a:pos x="connsiteX2" y="connsiteY2"/>
-              </a:cxn>
-            </a:cxnLst>
-            <a:rect l="l" t="t" r="r" b="b"/>
-            <a:pathLst>
-              <a:path w="2116768" h="529266">
-                <a:moveTo>
-                  <a:pt x="0" y="0"/>
-                </a:moveTo>
-                <a:cubicBezTo>
-                  <a:pt x="361614" y="263147"/>
-                  <a:pt x="723229" y="526295"/>
-                  <a:pt x="1076024" y="529235"/>
-                </a:cubicBezTo>
-                <a:cubicBezTo>
-                  <a:pt x="1428819" y="532175"/>
-                  <a:pt x="1925671" y="332242"/>
-                  <a:pt x="2116768" y="17641"/>
-                </a:cubicBezTo>
-              </a:path>
-            </a:pathLst>
-          </a:custGeom>
-          <a:ln w="38100" cmpd="sng">
-            <a:solidFill>
-              <a:srgbClr val="000000"/>
-            </a:solidFill>
-          </a:ln>
-          <a:effectLst/>
-        </p:spPr>
-        <p:style>
-          <a:lnRef idx="2">
-            <a:schemeClr val="accent1"/>
-          </a:lnRef>
-          <a:fillRef idx="0">
-            <a:schemeClr val="accent1"/>
-          </a:fillRef>
-          <a:effectRef idx="1">
-            <a:schemeClr val="accent1"/>
-          </a:effectRef>
-          <a:fontRef idx="minor">
-            <a:schemeClr val="tx1"/>
-          </a:fontRef>
-        </p:style>
-        <p:txBody>
-          <a:bodyPr rtlCol="0" anchor="ctr"/>
-          <a:lstStyle/>
-          <a:p>
-            <a:pPr algn="ctr"/>
-            <a:endParaRPr lang="en-US"/>
-          </a:p>
-        </p:txBody>
-      </p:sp>
-      <p:sp>
-        <p:nvSpPr>
-          <p:cNvPr id="14" name="Oval 13"/>
-          <p:cNvSpPr/>
-          <p:nvPr/>
-        </p:nvSpPr>
-        <p:spPr>
-          <a:xfrm>
-            <a:off x="4225815" y="2108128"/>
-            <a:ext cx="264596" cy="264596"/>
-          </a:xfrm>
-          <a:prstGeom prst="ellipse">
-            <a:avLst/>
-          </a:prstGeom>
-          <a:solidFill>
-            <a:schemeClr val="tx1"/>
-          </a:solidFill>
-          <a:ln>
-            <a:noFill/>
-          </a:ln>
-          <a:effectLst/>
-        </p:spPr>
-        <p:style>
-          <a:lnRef idx="1">
-            <a:schemeClr val="accent1"/>
-          </a:lnRef>
-          <a:fillRef idx="3">
-            <a:schemeClr val="accent1"/>
-          </a:fillRef>
-          <a:effectRef idx="2">
-            <a:schemeClr val="accent1"/>
-          </a:effectRef>
-          <a:fontRef idx="minor">
-            <a:schemeClr val="lt1"/>
-          </a:fontRef>
-        </p:style>
-        <p:txBody>
-          <a:bodyPr rtlCol="0" anchor="ctr"/>
-          <a:lstStyle/>
-          <a:p>
-            <a:pPr algn="ctr"/>
-            <a:endParaRPr lang="en-US"/>
-          </a:p>
-        </p:txBody>
-      </p:sp>
-      <p:cxnSp>
-        <p:nvCxnSpPr>
-          <p:cNvPr id="16" name="Straight Connector 15"/>
-          <p:cNvCxnSpPr/>
-          <p:nvPr/>
-        </p:nvCxnSpPr>
-        <p:spPr>
-          <a:xfrm>
-            <a:off x="4225815" y="1896434"/>
-            <a:ext cx="282236" cy="211694"/>
-          </a:xfrm>
-          <a:prstGeom prst="line">
-            <a:avLst/>
-          </a:prstGeom>
-          <a:ln w="38100" cmpd="sng">
-            <a:solidFill>
-              <a:schemeClr val="tx1"/>
-            </a:solidFill>
-          </a:ln>
-          <a:effectLst/>
-        </p:spPr>
-        <p:style>
-          <a:lnRef idx="2">
-            <a:schemeClr val="accent1"/>
-          </a:lnRef>
-          <a:fillRef idx="0">
-            <a:schemeClr val="accent1"/>
-          </a:fillRef>
-          <a:effectRef idx="1">
-            <a:schemeClr val="accent1"/>
-          </a:effectRef>
-          <a:fontRef idx="minor">
-            <a:schemeClr val="tx1"/>
-          </a:fontRef>
-        </p:style>
-      </p:cxnSp>
-      <p:sp>
-        <p:nvSpPr>
-          <p:cNvPr id="18" name="Oval 17"/>
-          <p:cNvSpPr/>
-          <p:nvPr/>
-        </p:nvSpPr>
-        <p:spPr>
-          <a:xfrm flipH="1">
-            <a:off x="4929380" y="2110589"/>
-            <a:ext cx="264596" cy="264596"/>
-          </a:xfrm>
-          <a:prstGeom prst="ellipse">
-            <a:avLst/>
-          </a:prstGeom>
-          <a:solidFill>
-            <a:schemeClr val="tx1"/>
-          </a:solidFill>
-          <a:ln>
-            <a:noFill/>
-          </a:ln>
-          <a:effectLst/>
-        </p:spPr>
-        <p:style>
-          <a:lnRef idx="1">
-            <a:schemeClr val="accent1"/>
-          </a:lnRef>
-          <a:fillRef idx="3">
-            <a:schemeClr val="accent1"/>
-          </a:fillRef>
-          <a:effectRef idx="2">
-            <a:schemeClr val="accent1"/>
-          </a:effectRef>
-          <a:fontRef idx="minor">
-            <a:schemeClr val="lt1"/>
-          </a:fontRef>
-        </p:style>
-        <p:txBody>
-          <a:bodyPr rtlCol="0" anchor="ctr"/>
-          <a:lstStyle/>
-          <a:p>
-            <a:pPr algn="ctr"/>
-            <a:endParaRPr lang="en-US"/>
-          </a:p>
-        </p:txBody>
-      </p:sp>
-      <p:cxnSp>
-        <p:nvCxnSpPr>
-          <p:cNvPr id="19" name="Straight Connector 18"/>
-          <p:cNvCxnSpPr/>
-          <p:nvPr/>
-        </p:nvCxnSpPr>
-        <p:spPr>
-          <a:xfrm flipH="1">
-            <a:off x="4929380" y="1898895"/>
-            <a:ext cx="282236" cy="211694"/>
-          </a:xfrm>
-          <a:prstGeom prst="line">
-            <a:avLst/>
-          </a:prstGeom>
-          <a:ln w="38100" cmpd="sng">
-            <a:solidFill>
-              <a:schemeClr val="tx1"/>
-            </a:solidFill>
-          </a:ln>
-          <a:effectLst/>
-        </p:spPr>
-        <p:style>
-          <a:lnRef idx="2">
-            <a:schemeClr val="accent1"/>
-          </a:lnRef>
-          <a:fillRef idx="0">
-            <a:schemeClr val="accent1"/>
-          </a:fillRef>
-          <a:effectRef idx="1">
-            <a:schemeClr val="accent1"/>
-          </a:effectRef>
-          <a:fontRef idx="minor">
-            <a:schemeClr val="tx1"/>
-          </a:fontRef>
-        </p:style>
-      </p:cxnSp>
+            </a:fontRef>
+          </p:style>
+        </p:cxnSp>
+      </p:grpSp>
     </p:spTree>
     <p:extLst>
       <p:ext uri="{BB962C8B-B14F-4D97-AF65-F5344CB8AC3E}">
@@ -3700,6 +3716,548 @@
     <p:extLst>
       <p:ext uri="{BB962C8B-B14F-4D97-AF65-F5344CB8AC3E}">
         <p14:creationId xmlns:p14="http://schemas.microsoft.com/office/powerpoint/2010/main" val="1692483128"/>
+      </p:ext>
+    </p:extLst>
+  </p:cSld>
+  <p:clrMapOvr>
+    <a:masterClrMapping/>
+  </p:clrMapOvr>
+</p:sld>
+</file>
+
+<file path=ppt/slides/slide3.xml><?xml version="1.0" encoding="utf-8"?>
+<p:sld xmlns:a="http://schemas.openxmlformats.org/drawingml/2006/main" xmlns:r="http://schemas.openxmlformats.org/officeDocument/2006/relationships" xmlns:p="http://schemas.openxmlformats.org/presentationml/2006/main">
+  <p:cSld>
+    <p:spTree>
+      <p:nvGrpSpPr>
+        <p:cNvPr id="1" name=""/>
+        <p:cNvGrpSpPr/>
+        <p:nvPr/>
+      </p:nvGrpSpPr>
+      <p:grpSpPr>
+        <a:xfrm>
+          <a:off x="0" y="0"/>
+          <a:ext cx="0" cy="0"/>
+          <a:chOff x="0" y="0"/>
+          <a:chExt cx="0" cy="0"/>
+        </a:xfrm>
+      </p:grpSpPr>
+      <p:sp>
+        <p:nvSpPr>
+          <p:cNvPr id="5" name="Rectangle 4"/>
+          <p:cNvSpPr/>
+          <p:nvPr/>
+        </p:nvSpPr>
+        <p:spPr>
+          <a:xfrm>
+            <a:off x="352794" y="264617"/>
+            <a:ext cx="8537634" cy="6368458"/>
+          </a:xfrm>
+          <a:prstGeom prst="rect">
+            <a:avLst/>
+          </a:prstGeom>
+          <a:solidFill>
+            <a:schemeClr val="tx1"/>
+          </a:solidFill>
+          <a:ln>
+            <a:noFill/>
+          </a:ln>
+          <a:effectLst/>
+        </p:spPr>
+        <p:style>
+          <a:lnRef idx="1">
+            <a:schemeClr val="accent1"/>
+          </a:lnRef>
+          <a:fillRef idx="3">
+            <a:schemeClr val="accent1"/>
+          </a:fillRef>
+          <a:effectRef idx="2">
+            <a:schemeClr val="accent1"/>
+          </a:effectRef>
+          <a:fontRef idx="minor">
+            <a:schemeClr val="lt1"/>
+          </a:fontRef>
+        </p:style>
+        <p:txBody>
+          <a:bodyPr rtlCol="0" anchor="ctr"/>
+          <a:lstStyle/>
+          <a:p>
+            <a:pPr algn="ctr"/>
+            <a:endParaRPr lang="en-US"/>
+          </a:p>
+        </p:txBody>
+      </p:sp>
+      <p:grpSp>
+        <p:nvGrpSpPr>
+          <p:cNvPr id="6" name="Group 5"/>
+          <p:cNvGrpSpPr/>
+          <p:nvPr/>
+        </p:nvGrpSpPr>
+        <p:grpSpPr>
+          <a:xfrm>
+            <a:off x="3963245" y="398028"/>
+            <a:ext cx="1317454" cy="1103674"/>
+            <a:chOff x="2499145" y="1720001"/>
+            <a:chExt cx="4414341" cy="3698038"/>
+          </a:xfrm>
+        </p:grpSpPr>
+        <p:sp>
+          <p:nvSpPr>
+            <p:cNvPr id="7" name="Trapezoid 6"/>
+            <p:cNvSpPr/>
+            <p:nvPr/>
+          </p:nvSpPr>
+          <p:spPr>
+            <a:xfrm>
+              <a:off x="3888637" y="2857868"/>
+              <a:ext cx="1641230" cy="1584763"/>
+            </a:xfrm>
+            <a:prstGeom prst="trapezoid">
+              <a:avLst/>
+            </a:prstGeom>
+            <a:solidFill>
+              <a:schemeClr val="accent6">
+                <a:lumMod val="60000"/>
+                <a:lumOff val="40000"/>
+              </a:schemeClr>
+            </a:solidFill>
+            <a:ln>
+              <a:solidFill>
+                <a:schemeClr val="tx1"/>
+              </a:solidFill>
+            </a:ln>
+            <a:effectLst/>
+          </p:spPr>
+          <p:style>
+            <a:lnRef idx="1">
+              <a:schemeClr val="accent1"/>
+            </a:lnRef>
+            <a:fillRef idx="3">
+              <a:schemeClr val="accent1"/>
+            </a:fillRef>
+            <a:effectRef idx="2">
+              <a:schemeClr val="accent1"/>
+            </a:effectRef>
+            <a:fontRef idx="minor">
+              <a:schemeClr val="lt1"/>
+            </a:fontRef>
+          </p:style>
+          <p:txBody>
+            <a:bodyPr rtlCol="0" anchor="ctr"/>
+            <a:lstStyle/>
+            <a:p>
+              <a:pPr algn="ctr"/>
+              <a:endParaRPr lang="en-US"/>
+            </a:p>
+          </p:txBody>
+        </p:sp>
+        <p:sp>
+          <p:nvSpPr>
+            <p:cNvPr id="8" name="Hexagon 7"/>
+            <p:cNvSpPr/>
+            <p:nvPr/>
+          </p:nvSpPr>
+          <p:spPr>
+            <a:xfrm>
+              <a:off x="2499145" y="4314365"/>
+              <a:ext cx="4414341" cy="1103674"/>
+            </a:xfrm>
+            <a:prstGeom prst="hexagon">
+              <a:avLst/>
+            </a:prstGeom>
+            <a:solidFill>
+              <a:schemeClr val="accent2">
+                <a:lumMod val="60000"/>
+                <a:lumOff val="40000"/>
+              </a:schemeClr>
+            </a:solidFill>
+            <a:ln>
+              <a:solidFill>
+                <a:schemeClr val="tx1"/>
+              </a:solidFill>
+            </a:ln>
+            <a:effectLst/>
+          </p:spPr>
+          <p:style>
+            <a:lnRef idx="1">
+              <a:schemeClr val="accent1"/>
+            </a:lnRef>
+            <a:fillRef idx="3">
+              <a:schemeClr val="accent1"/>
+            </a:fillRef>
+            <a:effectRef idx="2">
+              <a:schemeClr val="accent1"/>
+            </a:effectRef>
+            <a:fontRef idx="minor">
+              <a:schemeClr val="lt1"/>
+            </a:fontRef>
+          </p:style>
+          <p:txBody>
+            <a:bodyPr rtlCol="0" anchor="ctr"/>
+            <a:lstStyle/>
+            <a:p>
+              <a:pPr algn="ctr"/>
+              <a:endParaRPr lang="en-US"/>
+            </a:p>
+          </p:txBody>
+        </p:sp>
+        <p:sp>
+          <p:nvSpPr>
+            <p:cNvPr id="9" name="Snip Same Side Corner Rectangle 8"/>
+            <p:cNvSpPr/>
+            <p:nvPr/>
+          </p:nvSpPr>
+          <p:spPr>
+            <a:xfrm>
+              <a:off x="3888637" y="1720001"/>
+              <a:ext cx="1641230" cy="1358369"/>
+            </a:xfrm>
+            <a:prstGeom prst="snip2SameRect">
+              <a:avLst/>
+            </a:prstGeom>
+            <a:solidFill>
+              <a:schemeClr val="bg1">
+                <a:lumMod val="95000"/>
+              </a:schemeClr>
+            </a:solidFill>
+            <a:ln>
+              <a:solidFill>
+                <a:schemeClr val="tx1"/>
+              </a:solidFill>
+            </a:ln>
+            <a:effectLst/>
+          </p:spPr>
+          <p:style>
+            <a:lnRef idx="1">
+              <a:schemeClr val="accent1"/>
+            </a:lnRef>
+            <a:fillRef idx="3">
+              <a:schemeClr val="accent1"/>
+            </a:fillRef>
+            <a:effectRef idx="2">
+              <a:schemeClr val="accent1"/>
+            </a:effectRef>
+            <a:fontRef idx="minor">
+              <a:schemeClr val="lt1"/>
+            </a:fontRef>
+          </p:style>
+          <p:txBody>
+            <a:bodyPr rtlCol="0" anchor="ctr"/>
+            <a:lstStyle/>
+            <a:p>
+              <a:pPr algn="ctr"/>
+              <a:endParaRPr lang="en-US"/>
+            </a:p>
+          </p:txBody>
+        </p:sp>
+        <p:sp>
+          <p:nvSpPr>
+            <p:cNvPr id="10" name="Freeform 9"/>
+            <p:cNvSpPr/>
+            <p:nvPr/>
+          </p:nvSpPr>
+          <p:spPr>
+            <a:xfrm>
+              <a:off x="4122001" y="2654249"/>
+              <a:ext cx="1160177" cy="282992"/>
+            </a:xfrm>
+            <a:custGeom>
+              <a:avLst/>
+              <a:gdLst>
+                <a:gd name="connsiteX0" fmla="*/ 0 w 2116768"/>
+                <a:gd name="connsiteY0" fmla="*/ 0 h 529266"/>
+                <a:gd name="connsiteX1" fmla="*/ 1076024 w 2116768"/>
+                <a:gd name="connsiteY1" fmla="*/ 529235 h 529266"/>
+                <a:gd name="connsiteX2" fmla="*/ 2116768 w 2116768"/>
+                <a:gd name="connsiteY2" fmla="*/ 17641 h 529266"/>
+              </a:gdLst>
+              <a:ahLst/>
+              <a:cxnLst>
+                <a:cxn ang="0">
+                  <a:pos x="connsiteX0" y="connsiteY0"/>
+                </a:cxn>
+                <a:cxn ang="0">
+                  <a:pos x="connsiteX1" y="connsiteY1"/>
+                </a:cxn>
+                <a:cxn ang="0">
+                  <a:pos x="connsiteX2" y="connsiteY2"/>
+                </a:cxn>
+              </a:cxnLst>
+              <a:rect l="l" t="t" r="r" b="b"/>
+              <a:pathLst>
+                <a:path w="2116768" h="529266">
+                  <a:moveTo>
+                    <a:pt x="0" y="0"/>
+                  </a:moveTo>
+                  <a:cubicBezTo>
+                    <a:pt x="361614" y="263147"/>
+                    <a:pt x="723229" y="526295"/>
+                    <a:pt x="1076024" y="529235"/>
+                  </a:cubicBezTo>
+                  <a:cubicBezTo>
+                    <a:pt x="1428819" y="532175"/>
+                    <a:pt x="1925671" y="332242"/>
+                    <a:pt x="2116768" y="17641"/>
+                  </a:cubicBezTo>
+                </a:path>
+              </a:pathLst>
+            </a:custGeom>
+            <a:ln w="38100" cmpd="sng">
+              <a:solidFill>
+                <a:srgbClr val="000000"/>
+              </a:solidFill>
+            </a:ln>
+            <a:effectLst/>
+          </p:spPr>
+          <p:style>
+            <a:lnRef idx="2">
+              <a:schemeClr val="accent1"/>
+            </a:lnRef>
+            <a:fillRef idx="0">
+              <a:schemeClr val="accent1"/>
+            </a:fillRef>
+            <a:effectRef idx="1">
+              <a:schemeClr val="accent1"/>
+            </a:effectRef>
+            <a:fontRef idx="minor">
+              <a:schemeClr val="tx1"/>
+            </a:fontRef>
+          </p:style>
+          <p:txBody>
+            <a:bodyPr rtlCol="0" anchor="ctr"/>
+            <a:lstStyle/>
+            <a:p>
+              <a:pPr algn="ctr"/>
+              <a:endParaRPr lang="en-US"/>
+            </a:p>
+          </p:txBody>
+        </p:sp>
+        <p:sp>
+          <p:nvSpPr>
+            <p:cNvPr id="11" name="Oval 10"/>
+            <p:cNvSpPr/>
+            <p:nvPr/>
+          </p:nvSpPr>
+          <p:spPr>
+            <a:xfrm>
+              <a:off x="4225815" y="2108128"/>
+              <a:ext cx="264596" cy="264596"/>
+            </a:xfrm>
+            <a:prstGeom prst="ellipse">
+              <a:avLst/>
+            </a:prstGeom>
+            <a:solidFill>
+              <a:schemeClr val="tx1"/>
+            </a:solidFill>
+            <a:ln>
+              <a:noFill/>
+            </a:ln>
+            <a:effectLst/>
+          </p:spPr>
+          <p:style>
+            <a:lnRef idx="1">
+              <a:schemeClr val="accent1"/>
+            </a:lnRef>
+            <a:fillRef idx="3">
+              <a:schemeClr val="accent1"/>
+            </a:fillRef>
+            <a:effectRef idx="2">
+              <a:schemeClr val="accent1"/>
+            </a:effectRef>
+            <a:fontRef idx="minor">
+              <a:schemeClr val="lt1"/>
+            </a:fontRef>
+          </p:style>
+          <p:txBody>
+            <a:bodyPr rtlCol="0" anchor="ctr"/>
+            <a:lstStyle/>
+            <a:p>
+              <a:pPr algn="ctr"/>
+              <a:endParaRPr lang="en-US"/>
+            </a:p>
+          </p:txBody>
+        </p:sp>
+        <p:cxnSp>
+          <p:nvCxnSpPr>
+            <p:cNvPr id="12" name="Straight Connector 11"/>
+            <p:cNvCxnSpPr/>
+            <p:nvPr/>
+          </p:nvCxnSpPr>
+          <p:spPr>
+            <a:xfrm>
+              <a:off x="4225815" y="1896434"/>
+              <a:ext cx="282236" cy="211694"/>
+            </a:xfrm>
+            <a:prstGeom prst="line">
+              <a:avLst/>
+            </a:prstGeom>
+            <a:ln w="38100" cmpd="sng">
+              <a:solidFill>
+                <a:schemeClr val="tx1"/>
+              </a:solidFill>
+            </a:ln>
+            <a:effectLst/>
+          </p:spPr>
+          <p:style>
+            <a:lnRef idx="2">
+              <a:schemeClr val="accent1"/>
+            </a:lnRef>
+            <a:fillRef idx="0">
+              <a:schemeClr val="accent1"/>
+            </a:fillRef>
+            <a:effectRef idx="1">
+              <a:schemeClr val="accent1"/>
+            </a:effectRef>
+            <a:fontRef idx="minor">
+              <a:schemeClr val="tx1"/>
+            </a:fontRef>
+          </p:style>
+        </p:cxnSp>
+        <p:sp>
+          <p:nvSpPr>
+            <p:cNvPr id="13" name="Oval 12"/>
+            <p:cNvSpPr/>
+            <p:nvPr/>
+          </p:nvSpPr>
+          <p:spPr>
+            <a:xfrm flipH="1">
+              <a:off x="4929380" y="2110589"/>
+              <a:ext cx="264596" cy="264596"/>
+            </a:xfrm>
+            <a:prstGeom prst="ellipse">
+              <a:avLst/>
+            </a:prstGeom>
+            <a:solidFill>
+              <a:schemeClr val="tx1"/>
+            </a:solidFill>
+            <a:ln>
+              <a:noFill/>
+            </a:ln>
+            <a:effectLst/>
+          </p:spPr>
+          <p:style>
+            <a:lnRef idx="1">
+              <a:schemeClr val="accent1"/>
+            </a:lnRef>
+            <a:fillRef idx="3">
+              <a:schemeClr val="accent1"/>
+            </a:fillRef>
+            <a:effectRef idx="2">
+              <a:schemeClr val="accent1"/>
+            </a:effectRef>
+            <a:fontRef idx="minor">
+              <a:schemeClr val="lt1"/>
+            </a:fontRef>
+          </p:style>
+          <p:txBody>
+            <a:bodyPr rtlCol="0" anchor="ctr"/>
+            <a:lstStyle/>
+            <a:p>
+              <a:pPr algn="ctr"/>
+              <a:endParaRPr lang="en-US"/>
+            </a:p>
+          </p:txBody>
+        </p:sp>
+        <p:cxnSp>
+          <p:nvCxnSpPr>
+            <p:cNvPr id="14" name="Straight Connector 13"/>
+            <p:cNvCxnSpPr/>
+            <p:nvPr/>
+          </p:nvCxnSpPr>
+          <p:spPr>
+            <a:xfrm flipH="1">
+              <a:off x="4929380" y="1898895"/>
+              <a:ext cx="282236" cy="211694"/>
+            </a:xfrm>
+            <a:prstGeom prst="line">
+              <a:avLst/>
+            </a:prstGeom>
+            <a:ln w="38100" cmpd="sng">
+              <a:solidFill>
+                <a:schemeClr val="tx1"/>
+              </a:solidFill>
+            </a:ln>
+            <a:effectLst/>
+          </p:spPr>
+          <p:style>
+            <a:lnRef idx="2">
+              <a:schemeClr val="accent1"/>
+            </a:lnRef>
+            <a:fillRef idx="0">
+              <a:schemeClr val="accent1"/>
+            </a:fillRef>
+            <a:effectRef idx="1">
+              <a:schemeClr val="accent1"/>
+            </a:effectRef>
+            <a:fontRef idx="minor">
+              <a:schemeClr val="tx1"/>
+            </a:fontRef>
+          </p:style>
+        </p:cxnSp>
+      </p:grpSp>
+      <p:sp>
+        <p:nvSpPr>
+          <p:cNvPr id="15" name="TextBox 14"/>
+          <p:cNvSpPr txBox="1"/>
+          <p:nvPr/>
+        </p:nvSpPr>
+        <p:spPr>
+          <a:xfrm>
+            <a:off x="1620518" y="4710189"/>
+            <a:ext cx="5874033" cy="954107"/>
+          </a:xfrm>
+          <a:prstGeom prst="rect">
+            <a:avLst/>
+          </a:prstGeom>
+          <a:noFill/>
+          <a:ln w="38100" cmpd="sng">
+            <a:solidFill>
+              <a:schemeClr val="bg1"/>
+            </a:solidFill>
+          </a:ln>
+        </p:spPr>
+        <p:txBody>
+          <a:bodyPr wrap="square" rtlCol="0">
+            <a:spAutoFit/>
+          </a:bodyPr>
+          <a:lstStyle/>
+          <a:p>
+            <a:r>
+              <a:rPr lang="en-US" sz="2800" dirty="0" smtClean="0">
+                <a:solidFill>
+                  <a:schemeClr val="bg1"/>
+                </a:solidFill>
+              </a:rPr>
+              <a:t>Evil </a:t>
+            </a:r>
+            <a:r>
+              <a:rPr lang="en-US" sz="2800" dirty="0" err="1" smtClean="0">
+                <a:solidFill>
+                  <a:schemeClr val="bg1"/>
+                </a:solidFill>
+              </a:rPr>
+              <a:t>Dr</a:t>
+            </a:r>
+            <a:r>
+              <a:rPr lang="en-US" sz="2800" dirty="0" smtClean="0">
+                <a:solidFill>
+                  <a:schemeClr val="bg1"/>
+                </a:solidFill>
+              </a:rPr>
+              <a:t> Darwin is planning to create the ultimate killing creature</a:t>
+            </a:r>
+            <a:endParaRPr lang="en-US" sz="2800" dirty="0">
+              <a:solidFill>
+                <a:schemeClr val="bg1"/>
+              </a:solidFill>
+            </a:endParaRPr>
+          </a:p>
+        </p:txBody>
+      </p:sp>
+    </p:spTree>
+    <p:extLst>
+      <p:ext uri="{BB962C8B-B14F-4D97-AF65-F5344CB8AC3E}">
+        <p14:creationId xmlns:p14="http://schemas.microsoft.com/office/powerpoint/2010/main" val="1344453308"/>
       </p:ext>
     </p:extLst>
   </p:cSld>

--- a/resources/Presentation1.pptx
+++ b/resources/Presentation1.pptx
@@ -8,6 +8,7 @@
     <p:sldId id="256" r:id="rId2"/>
     <p:sldId id="257" r:id="rId3"/>
     <p:sldId id="258" r:id="rId4"/>
+    <p:sldId id="259" r:id="rId5"/>
   </p:sldIdLst>
   <p:sldSz cx="9144000" cy="6858000" type="screen4x3"/>
   <p:notesSz cx="6858000" cy="9144000"/>
@@ -4267,6 +4268,548 @@
 </p:sld>
 </file>
 
+<file path=ppt/slides/slide4.xml><?xml version="1.0" encoding="utf-8"?>
+<p:sld xmlns:a="http://schemas.openxmlformats.org/drawingml/2006/main" xmlns:r="http://schemas.openxmlformats.org/officeDocument/2006/relationships" xmlns:p="http://schemas.openxmlformats.org/presentationml/2006/main">
+  <p:cSld>
+    <p:spTree>
+      <p:nvGrpSpPr>
+        <p:cNvPr id="1" name=""/>
+        <p:cNvGrpSpPr/>
+        <p:nvPr/>
+      </p:nvGrpSpPr>
+      <p:grpSpPr>
+        <a:xfrm>
+          <a:off x="0" y="0"/>
+          <a:ext cx="0" cy="0"/>
+          <a:chOff x="0" y="0"/>
+          <a:chExt cx="0" cy="0"/>
+        </a:xfrm>
+      </p:grpSpPr>
+      <p:sp>
+        <p:nvSpPr>
+          <p:cNvPr id="5" name="Rectangle 4"/>
+          <p:cNvSpPr/>
+          <p:nvPr/>
+        </p:nvSpPr>
+        <p:spPr>
+          <a:xfrm>
+            <a:off x="-299876" y="-141129"/>
+            <a:ext cx="9443877" cy="6999129"/>
+          </a:xfrm>
+          <a:prstGeom prst="rect">
+            <a:avLst/>
+          </a:prstGeom>
+          <a:solidFill>
+            <a:schemeClr val="tx1"/>
+          </a:solidFill>
+          <a:ln>
+            <a:noFill/>
+          </a:ln>
+          <a:effectLst/>
+        </p:spPr>
+        <p:style>
+          <a:lnRef idx="1">
+            <a:schemeClr val="accent1"/>
+          </a:lnRef>
+          <a:fillRef idx="3">
+            <a:schemeClr val="accent1"/>
+          </a:fillRef>
+          <a:effectRef idx="2">
+            <a:schemeClr val="accent1"/>
+          </a:effectRef>
+          <a:fontRef idx="minor">
+            <a:schemeClr val="lt1"/>
+          </a:fontRef>
+        </p:style>
+        <p:txBody>
+          <a:bodyPr rtlCol="0" anchor="ctr"/>
+          <a:lstStyle/>
+          <a:p>
+            <a:pPr algn="ctr"/>
+            <a:endParaRPr lang="en-US"/>
+          </a:p>
+        </p:txBody>
+      </p:sp>
+      <p:grpSp>
+        <p:nvGrpSpPr>
+          <p:cNvPr id="6" name="Group 5"/>
+          <p:cNvGrpSpPr/>
+          <p:nvPr/>
+        </p:nvGrpSpPr>
+        <p:grpSpPr>
+          <a:xfrm>
+            <a:off x="3963245" y="398028"/>
+            <a:ext cx="1317454" cy="1103674"/>
+            <a:chOff x="2499145" y="1720001"/>
+            <a:chExt cx="4414341" cy="3698038"/>
+          </a:xfrm>
+        </p:grpSpPr>
+        <p:sp>
+          <p:nvSpPr>
+            <p:cNvPr id="7" name="Trapezoid 6"/>
+            <p:cNvSpPr/>
+            <p:nvPr/>
+          </p:nvSpPr>
+          <p:spPr>
+            <a:xfrm>
+              <a:off x="3888637" y="2857868"/>
+              <a:ext cx="1641230" cy="1584763"/>
+            </a:xfrm>
+            <a:prstGeom prst="trapezoid">
+              <a:avLst/>
+            </a:prstGeom>
+            <a:solidFill>
+              <a:schemeClr val="accent6">
+                <a:lumMod val="60000"/>
+                <a:lumOff val="40000"/>
+              </a:schemeClr>
+            </a:solidFill>
+            <a:ln>
+              <a:solidFill>
+                <a:schemeClr val="tx1"/>
+              </a:solidFill>
+            </a:ln>
+            <a:effectLst/>
+          </p:spPr>
+          <p:style>
+            <a:lnRef idx="1">
+              <a:schemeClr val="accent1"/>
+            </a:lnRef>
+            <a:fillRef idx="3">
+              <a:schemeClr val="accent1"/>
+            </a:fillRef>
+            <a:effectRef idx="2">
+              <a:schemeClr val="accent1"/>
+            </a:effectRef>
+            <a:fontRef idx="minor">
+              <a:schemeClr val="lt1"/>
+            </a:fontRef>
+          </p:style>
+          <p:txBody>
+            <a:bodyPr rtlCol="0" anchor="ctr"/>
+            <a:lstStyle/>
+            <a:p>
+              <a:pPr algn="ctr"/>
+              <a:endParaRPr lang="en-US"/>
+            </a:p>
+          </p:txBody>
+        </p:sp>
+        <p:sp>
+          <p:nvSpPr>
+            <p:cNvPr id="8" name="Hexagon 7"/>
+            <p:cNvSpPr/>
+            <p:nvPr/>
+          </p:nvSpPr>
+          <p:spPr>
+            <a:xfrm>
+              <a:off x="2499145" y="4314365"/>
+              <a:ext cx="4414341" cy="1103674"/>
+            </a:xfrm>
+            <a:prstGeom prst="hexagon">
+              <a:avLst/>
+            </a:prstGeom>
+            <a:solidFill>
+              <a:schemeClr val="accent2">
+                <a:lumMod val="60000"/>
+                <a:lumOff val="40000"/>
+              </a:schemeClr>
+            </a:solidFill>
+            <a:ln>
+              <a:solidFill>
+                <a:schemeClr val="tx1"/>
+              </a:solidFill>
+            </a:ln>
+            <a:effectLst/>
+          </p:spPr>
+          <p:style>
+            <a:lnRef idx="1">
+              <a:schemeClr val="accent1"/>
+            </a:lnRef>
+            <a:fillRef idx="3">
+              <a:schemeClr val="accent1"/>
+            </a:fillRef>
+            <a:effectRef idx="2">
+              <a:schemeClr val="accent1"/>
+            </a:effectRef>
+            <a:fontRef idx="minor">
+              <a:schemeClr val="lt1"/>
+            </a:fontRef>
+          </p:style>
+          <p:txBody>
+            <a:bodyPr rtlCol="0" anchor="ctr"/>
+            <a:lstStyle/>
+            <a:p>
+              <a:pPr algn="ctr"/>
+              <a:endParaRPr lang="en-US"/>
+            </a:p>
+          </p:txBody>
+        </p:sp>
+        <p:sp>
+          <p:nvSpPr>
+            <p:cNvPr id="9" name="Snip Same Side Corner Rectangle 8"/>
+            <p:cNvSpPr/>
+            <p:nvPr/>
+          </p:nvSpPr>
+          <p:spPr>
+            <a:xfrm>
+              <a:off x="3888637" y="1720001"/>
+              <a:ext cx="1641230" cy="1358369"/>
+            </a:xfrm>
+            <a:prstGeom prst="snip2SameRect">
+              <a:avLst/>
+            </a:prstGeom>
+            <a:solidFill>
+              <a:schemeClr val="bg1">
+                <a:lumMod val="95000"/>
+              </a:schemeClr>
+            </a:solidFill>
+            <a:ln>
+              <a:solidFill>
+                <a:schemeClr val="tx1"/>
+              </a:solidFill>
+            </a:ln>
+            <a:effectLst/>
+          </p:spPr>
+          <p:style>
+            <a:lnRef idx="1">
+              <a:schemeClr val="accent1"/>
+            </a:lnRef>
+            <a:fillRef idx="3">
+              <a:schemeClr val="accent1"/>
+            </a:fillRef>
+            <a:effectRef idx="2">
+              <a:schemeClr val="accent1"/>
+            </a:effectRef>
+            <a:fontRef idx="minor">
+              <a:schemeClr val="lt1"/>
+            </a:fontRef>
+          </p:style>
+          <p:txBody>
+            <a:bodyPr rtlCol="0" anchor="ctr"/>
+            <a:lstStyle/>
+            <a:p>
+              <a:pPr algn="ctr"/>
+              <a:endParaRPr lang="en-US"/>
+            </a:p>
+          </p:txBody>
+        </p:sp>
+        <p:sp>
+          <p:nvSpPr>
+            <p:cNvPr id="10" name="Freeform 9"/>
+            <p:cNvSpPr/>
+            <p:nvPr/>
+          </p:nvSpPr>
+          <p:spPr>
+            <a:xfrm>
+              <a:off x="4122001" y="2654249"/>
+              <a:ext cx="1160177" cy="282992"/>
+            </a:xfrm>
+            <a:custGeom>
+              <a:avLst/>
+              <a:gdLst>
+                <a:gd name="connsiteX0" fmla="*/ 0 w 2116768"/>
+                <a:gd name="connsiteY0" fmla="*/ 0 h 529266"/>
+                <a:gd name="connsiteX1" fmla="*/ 1076024 w 2116768"/>
+                <a:gd name="connsiteY1" fmla="*/ 529235 h 529266"/>
+                <a:gd name="connsiteX2" fmla="*/ 2116768 w 2116768"/>
+                <a:gd name="connsiteY2" fmla="*/ 17641 h 529266"/>
+              </a:gdLst>
+              <a:ahLst/>
+              <a:cxnLst>
+                <a:cxn ang="0">
+                  <a:pos x="connsiteX0" y="connsiteY0"/>
+                </a:cxn>
+                <a:cxn ang="0">
+                  <a:pos x="connsiteX1" y="connsiteY1"/>
+                </a:cxn>
+                <a:cxn ang="0">
+                  <a:pos x="connsiteX2" y="connsiteY2"/>
+                </a:cxn>
+              </a:cxnLst>
+              <a:rect l="l" t="t" r="r" b="b"/>
+              <a:pathLst>
+                <a:path w="2116768" h="529266">
+                  <a:moveTo>
+                    <a:pt x="0" y="0"/>
+                  </a:moveTo>
+                  <a:cubicBezTo>
+                    <a:pt x="361614" y="263147"/>
+                    <a:pt x="723229" y="526295"/>
+                    <a:pt x="1076024" y="529235"/>
+                  </a:cubicBezTo>
+                  <a:cubicBezTo>
+                    <a:pt x="1428819" y="532175"/>
+                    <a:pt x="1925671" y="332242"/>
+                    <a:pt x="2116768" y="17641"/>
+                  </a:cubicBezTo>
+                </a:path>
+              </a:pathLst>
+            </a:custGeom>
+            <a:ln w="38100" cmpd="sng">
+              <a:solidFill>
+                <a:srgbClr val="000000"/>
+              </a:solidFill>
+            </a:ln>
+            <a:effectLst/>
+          </p:spPr>
+          <p:style>
+            <a:lnRef idx="2">
+              <a:schemeClr val="accent1"/>
+            </a:lnRef>
+            <a:fillRef idx="0">
+              <a:schemeClr val="accent1"/>
+            </a:fillRef>
+            <a:effectRef idx="1">
+              <a:schemeClr val="accent1"/>
+            </a:effectRef>
+            <a:fontRef idx="minor">
+              <a:schemeClr val="tx1"/>
+            </a:fontRef>
+          </p:style>
+          <p:txBody>
+            <a:bodyPr rtlCol="0" anchor="ctr"/>
+            <a:lstStyle/>
+            <a:p>
+              <a:pPr algn="ctr"/>
+              <a:endParaRPr lang="en-US"/>
+            </a:p>
+          </p:txBody>
+        </p:sp>
+        <p:sp>
+          <p:nvSpPr>
+            <p:cNvPr id="11" name="Oval 10"/>
+            <p:cNvSpPr/>
+            <p:nvPr/>
+          </p:nvSpPr>
+          <p:spPr>
+            <a:xfrm>
+              <a:off x="4225815" y="2108128"/>
+              <a:ext cx="264596" cy="264596"/>
+            </a:xfrm>
+            <a:prstGeom prst="ellipse">
+              <a:avLst/>
+            </a:prstGeom>
+            <a:solidFill>
+              <a:schemeClr val="tx1"/>
+            </a:solidFill>
+            <a:ln>
+              <a:noFill/>
+            </a:ln>
+            <a:effectLst/>
+          </p:spPr>
+          <p:style>
+            <a:lnRef idx="1">
+              <a:schemeClr val="accent1"/>
+            </a:lnRef>
+            <a:fillRef idx="3">
+              <a:schemeClr val="accent1"/>
+            </a:fillRef>
+            <a:effectRef idx="2">
+              <a:schemeClr val="accent1"/>
+            </a:effectRef>
+            <a:fontRef idx="minor">
+              <a:schemeClr val="lt1"/>
+            </a:fontRef>
+          </p:style>
+          <p:txBody>
+            <a:bodyPr rtlCol="0" anchor="ctr"/>
+            <a:lstStyle/>
+            <a:p>
+              <a:pPr algn="ctr"/>
+              <a:endParaRPr lang="en-US"/>
+            </a:p>
+          </p:txBody>
+        </p:sp>
+        <p:cxnSp>
+          <p:nvCxnSpPr>
+            <p:cNvPr id="12" name="Straight Connector 11"/>
+            <p:cNvCxnSpPr/>
+            <p:nvPr/>
+          </p:nvCxnSpPr>
+          <p:spPr>
+            <a:xfrm>
+              <a:off x="4225815" y="1896434"/>
+              <a:ext cx="282236" cy="211694"/>
+            </a:xfrm>
+            <a:prstGeom prst="line">
+              <a:avLst/>
+            </a:prstGeom>
+            <a:ln w="38100" cmpd="sng">
+              <a:solidFill>
+                <a:schemeClr val="tx1"/>
+              </a:solidFill>
+            </a:ln>
+            <a:effectLst/>
+          </p:spPr>
+          <p:style>
+            <a:lnRef idx="2">
+              <a:schemeClr val="accent1"/>
+            </a:lnRef>
+            <a:fillRef idx="0">
+              <a:schemeClr val="accent1"/>
+            </a:fillRef>
+            <a:effectRef idx="1">
+              <a:schemeClr val="accent1"/>
+            </a:effectRef>
+            <a:fontRef idx="minor">
+              <a:schemeClr val="tx1"/>
+            </a:fontRef>
+          </p:style>
+        </p:cxnSp>
+        <p:sp>
+          <p:nvSpPr>
+            <p:cNvPr id="13" name="Oval 12"/>
+            <p:cNvSpPr/>
+            <p:nvPr/>
+          </p:nvSpPr>
+          <p:spPr>
+            <a:xfrm flipH="1">
+              <a:off x="4929380" y="2110589"/>
+              <a:ext cx="264596" cy="264596"/>
+            </a:xfrm>
+            <a:prstGeom prst="ellipse">
+              <a:avLst/>
+            </a:prstGeom>
+            <a:solidFill>
+              <a:schemeClr val="tx1"/>
+            </a:solidFill>
+            <a:ln>
+              <a:noFill/>
+            </a:ln>
+            <a:effectLst/>
+          </p:spPr>
+          <p:style>
+            <a:lnRef idx="1">
+              <a:schemeClr val="accent1"/>
+            </a:lnRef>
+            <a:fillRef idx="3">
+              <a:schemeClr val="accent1"/>
+            </a:fillRef>
+            <a:effectRef idx="2">
+              <a:schemeClr val="accent1"/>
+            </a:effectRef>
+            <a:fontRef idx="minor">
+              <a:schemeClr val="lt1"/>
+            </a:fontRef>
+          </p:style>
+          <p:txBody>
+            <a:bodyPr rtlCol="0" anchor="ctr"/>
+            <a:lstStyle/>
+            <a:p>
+              <a:pPr algn="ctr"/>
+              <a:endParaRPr lang="en-US"/>
+            </a:p>
+          </p:txBody>
+        </p:sp>
+        <p:cxnSp>
+          <p:nvCxnSpPr>
+            <p:cNvPr id="14" name="Straight Connector 13"/>
+            <p:cNvCxnSpPr/>
+            <p:nvPr/>
+          </p:nvCxnSpPr>
+          <p:spPr>
+            <a:xfrm flipH="1">
+              <a:off x="4929380" y="1898895"/>
+              <a:ext cx="282236" cy="211694"/>
+            </a:xfrm>
+            <a:prstGeom prst="line">
+              <a:avLst/>
+            </a:prstGeom>
+            <a:ln w="38100" cmpd="sng">
+              <a:solidFill>
+                <a:schemeClr val="tx1"/>
+              </a:solidFill>
+            </a:ln>
+            <a:effectLst/>
+          </p:spPr>
+          <p:style>
+            <a:lnRef idx="2">
+              <a:schemeClr val="accent1"/>
+            </a:lnRef>
+            <a:fillRef idx="0">
+              <a:schemeClr val="accent1"/>
+            </a:fillRef>
+            <a:effectRef idx="1">
+              <a:schemeClr val="accent1"/>
+            </a:effectRef>
+            <a:fontRef idx="minor">
+              <a:schemeClr val="tx1"/>
+            </a:fontRef>
+          </p:style>
+        </p:cxnSp>
+      </p:grpSp>
+      <p:sp>
+        <p:nvSpPr>
+          <p:cNvPr id="15" name="TextBox 14"/>
+          <p:cNvSpPr txBox="1"/>
+          <p:nvPr/>
+        </p:nvSpPr>
+        <p:spPr>
+          <a:xfrm>
+            <a:off x="1620518" y="4710189"/>
+            <a:ext cx="5874033" cy="954107"/>
+          </a:xfrm>
+          <a:prstGeom prst="rect">
+            <a:avLst/>
+          </a:prstGeom>
+          <a:noFill/>
+          <a:ln w="38100" cmpd="sng">
+            <a:solidFill>
+              <a:schemeClr val="bg1"/>
+            </a:solidFill>
+          </a:ln>
+        </p:spPr>
+        <p:txBody>
+          <a:bodyPr wrap="square" rtlCol="0">
+            <a:spAutoFit/>
+          </a:bodyPr>
+          <a:lstStyle/>
+          <a:p>
+            <a:r>
+              <a:rPr lang="en-US" sz="2800" dirty="0" smtClean="0">
+                <a:solidFill>
+                  <a:schemeClr val="bg1"/>
+                </a:solidFill>
+              </a:rPr>
+              <a:t>Evil </a:t>
+            </a:r>
+            <a:r>
+              <a:rPr lang="en-US" sz="2800" dirty="0" err="1" smtClean="0">
+                <a:solidFill>
+                  <a:schemeClr val="bg1"/>
+                </a:solidFill>
+              </a:rPr>
+              <a:t>Dr</a:t>
+            </a:r>
+            <a:r>
+              <a:rPr lang="en-US" sz="2800" dirty="0" smtClean="0">
+                <a:solidFill>
+                  <a:schemeClr val="bg1"/>
+                </a:solidFill>
+              </a:rPr>
+              <a:t> Darwin is planning to create the ultimate killing creature</a:t>
+            </a:r>
+            <a:endParaRPr lang="en-US" sz="2800" dirty="0">
+              <a:solidFill>
+                <a:schemeClr val="bg1"/>
+              </a:solidFill>
+            </a:endParaRPr>
+          </a:p>
+        </p:txBody>
+      </p:sp>
+    </p:spTree>
+    <p:extLst>
+      <p:ext uri="{BB962C8B-B14F-4D97-AF65-F5344CB8AC3E}">
+        <p14:creationId xmlns:p14="http://schemas.microsoft.com/office/powerpoint/2010/main" val="1088775449"/>
+      </p:ext>
+    </p:extLst>
+  </p:cSld>
+  <p:clrMapOvr>
+    <a:masterClrMapping/>
+  </p:clrMapOvr>
+</p:sld>
+</file>
+
 <file path=ppt/theme/theme1.xml><?xml version="1.0" encoding="utf-8"?>
 <a:theme xmlns:a="http://schemas.openxmlformats.org/drawingml/2006/main" name="Office Theme">
   <a:themeElements>

--- a/resources/Presentation1.pptx
+++ b/resources/Presentation1.pptx
@@ -6,9 +6,14 @@
   </p:sldMasterIdLst>
   <p:sldIdLst>
     <p:sldId id="256" r:id="rId2"/>
-    <p:sldId id="257" r:id="rId3"/>
-    <p:sldId id="258" r:id="rId4"/>
-    <p:sldId id="259" r:id="rId5"/>
+    <p:sldId id="260" r:id="rId3"/>
+    <p:sldId id="261" r:id="rId4"/>
+    <p:sldId id="257" r:id="rId5"/>
+    <p:sldId id="258" r:id="rId6"/>
+    <p:sldId id="259" r:id="rId7"/>
+    <p:sldId id="262" r:id="rId8"/>
+    <p:sldId id="263" r:id="rId9"/>
+    <p:sldId id="264" r:id="rId10"/>
   </p:sldIdLst>
   <p:sldSz cx="9144000" cy="6858000" type="screen4x3"/>
   <p:notesSz cx="6858000" cy="9144000"/>
@@ -139,7 +144,7 @@
         </p:nvSpPr>
         <p:spPr>
           <a:xfrm>
-            <a:off x="685800" y="2130425"/>
+            <a:off x="685800" y="2130427"/>
             <a:ext cx="7772400" cy="1470025"/>
           </a:xfrm>
         </p:spPr>
@@ -291,7 +296,7 @@
           <a:p>
             <a:fld id="{52F25E00-0E50-1E46-B438-41C2AF5E2D41}" type="datetimeFigureOut">
               <a:rPr lang="en-US" smtClean="0"/>
-              <a:t>7/07/18</a:t>
+              <a:t>24/07/18</a:t>
             </a:fld>
             <a:endParaRPr lang="en-US"/>
           </a:p>
@@ -461,7 +466,7 @@
           <a:p>
             <a:fld id="{52F25E00-0E50-1E46-B438-41C2AF5E2D41}" type="datetimeFigureOut">
               <a:rPr lang="en-US" smtClean="0"/>
-              <a:t>7/07/18</a:t>
+              <a:t>24/07/18</a:t>
             </a:fld>
             <a:endParaRPr lang="en-US"/>
           </a:p>
@@ -551,7 +556,7 @@
         </p:nvSpPr>
         <p:spPr>
           <a:xfrm>
-            <a:off x="6629400" y="274638"/>
+            <a:off x="6629400" y="274639"/>
             <a:ext cx="2057400" cy="5851525"/>
           </a:xfrm>
         </p:spPr>
@@ -579,7 +584,7 @@
         </p:nvSpPr>
         <p:spPr>
           <a:xfrm>
-            <a:off x="457200" y="274638"/>
+            <a:off x="457201" y="274639"/>
             <a:ext cx="6019800" cy="5851525"/>
           </a:xfrm>
         </p:spPr>
@@ -641,7 +646,7 @@
           <a:p>
             <a:fld id="{52F25E00-0E50-1E46-B438-41C2AF5E2D41}" type="datetimeFigureOut">
               <a:rPr lang="en-US" smtClean="0"/>
-              <a:t>7/07/18</a:t>
+              <a:t>24/07/18</a:t>
             </a:fld>
             <a:endParaRPr lang="en-US"/>
           </a:p>
@@ -811,7 +816,7 @@
           <a:p>
             <a:fld id="{52F25E00-0E50-1E46-B438-41C2AF5E2D41}" type="datetimeFigureOut">
               <a:rPr lang="en-US" smtClean="0"/>
-              <a:t>7/07/18</a:t>
+              <a:t>24/07/18</a:t>
             </a:fld>
             <a:endParaRPr lang="en-US"/>
           </a:p>
@@ -901,8 +906,8 @@
         </p:nvSpPr>
         <p:spPr>
           <a:xfrm>
-            <a:off x="722313" y="4406900"/>
-            <a:ext cx="7772400" cy="1362075"/>
+            <a:off x="722313" y="4406901"/>
+            <a:ext cx="7772400" cy="1362076"/>
           </a:xfrm>
         </p:spPr>
         <p:txBody>
@@ -1057,7 +1062,7 @@
           <a:p>
             <a:fld id="{52F25E00-0E50-1E46-B438-41C2AF5E2D41}" type="datetimeFigureOut">
               <a:rPr lang="en-US" smtClean="0"/>
-              <a:t>7/07/18</a:t>
+              <a:t>24/07/18</a:t>
             </a:fld>
             <a:endParaRPr lang="en-US"/>
           </a:p>
@@ -1170,7 +1175,7 @@
         </p:nvSpPr>
         <p:spPr>
           <a:xfrm>
-            <a:off x="457200" y="1600200"/>
+            <a:off x="457201" y="1600200"/>
             <a:ext cx="4038600" cy="4525963"/>
           </a:xfrm>
         </p:spPr>
@@ -1345,7 +1350,7 @@
           <a:p>
             <a:fld id="{52F25E00-0E50-1E46-B438-41C2AF5E2D41}" type="datetimeFigureOut">
               <a:rPr lang="en-US" smtClean="0"/>
-              <a:t>7/07/18</a:t>
+              <a:t>24/07/18</a:t>
             </a:fld>
             <a:endParaRPr lang="en-US"/>
           </a:p>
@@ -1462,7 +1467,7 @@
         </p:nvSpPr>
         <p:spPr>
           <a:xfrm>
-            <a:off x="457200" y="1535113"/>
+            <a:off x="457200" y="1535114"/>
             <a:ext cx="4040188" cy="639762"/>
           </a:xfrm>
         </p:spPr>
@@ -1612,7 +1617,7 @@
         </p:nvSpPr>
         <p:spPr>
           <a:xfrm>
-            <a:off x="4645025" y="1535113"/>
+            <a:off x="4645026" y="1535114"/>
             <a:ext cx="4041775" cy="639762"/>
           </a:xfrm>
         </p:spPr>
@@ -1677,7 +1682,7 @@
         </p:nvSpPr>
         <p:spPr>
           <a:xfrm>
-            <a:off x="4645025" y="2174875"/>
+            <a:off x="4645026" y="2174875"/>
             <a:ext cx="4041775" cy="3951288"/>
           </a:xfrm>
         </p:spPr>
@@ -1767,7 +1772,7 @@
           <a:p>
             <a:fld id="{52F25E00-0E50-1E46-B438-41C2AF5E2D41}" type="datetimeFigureOut">
               <a:rPr lang="en-US" smtClean="0"/>
-              <a:t>7/07/18</a:t>
+              <a:t>24/07/18</a:t>
             </a:fld>
             <a:endParaRPr lang="en-US"/>
           </a:p>
@@ -1885,7 +1890,7 @@
           <a:p>
             <a:fld id="{52F25E00-0E50-1E46-B438-41C2AF5E2D41}" type="datetimeFigureOut">
               <a:rPr lang="en-US" smtClean="0"/>
-              <a:t>7/07/18</a:t>
+              <a:t>24/07/18</a:t>
             </a:fld>
             <a:endParaRPr lang="en-US"/>
           </a:p>
@@ -1980,7 +1985,7 @@
           <a:p>
             <a:fld id="{52F25E00-0E50-1E46-B438-41C2AF5E2D41}" type="datetimeFigureOut">
               <a:rPr lang="en-US" smtClean="0"/>
-              <a:t>7/07/18</a:t>
+              <a:t>24/07/18</a:t>
             </a:fld>
             <a:endParaRPr lang="en-US"/>
           </a:p>
@@ -2070,7 +2075,7 @@
         </p:nvSpPr>
         <p:spPr>
           <a:xfrm>
-            <a:off x="457200" y="273050"/>
+            <a:off x="457200" y="273051"/>
             <a:ext cx="3008313" cy="1162050"/>
           </a:xfrm>
         </p:spPr>
@@ -2187,7 +2192,7 @@
         </p:nvSpPr>
         <p:spPr>
           <a:xfrm>
-            <a:off x="457200" y="1435100"/>
+            <a:off x="457200" y="1435101"/>
             <a:ext cx="3008313" cy="4691063"/>
           </a:xfrm>
         </p:spPr>
@@ -2257,7 +2262,7 @@
           <a:p>
             <a:fld id="{52F25E00-0E50-1E46-B438-41C2AF5E2D41}" type="datetimeFigureOut">
               <a:rPr lang="en-US" smtClean="0"/>
-              <a:t>7/07/18</a:t>
+              <a:t>24/07/18</a:t>
             </a:fld>
             <a:endParaRPr lang="en-US"/>
           </a:p>
@@ -2510,7 +2515,7 @@
           <a:p>
             <a:fld id="{52F25E00-0E50-1E46-B438-41C2AF5E2D41}" type="datetimeFigureOut">
               <a:rPr lang="en-US" smtClean="0"/>
-              <a:t>7/07/18</a:t>
+              <a:t>24/07/18</a:t>
             </a:fld>
             <a:endParaRPr lang="en-US"/>
           </a:p>
@@ -2700,7 +2705,7 @@
         </p:nvSpPr>
         <p:spPr>
           <a:xfrm>
-            <a:off x="457200" y="6356350"/>
+            <a:off x="457201" y="6356352"/>
             <a:ext cx="2133600" cy="365125"/>
           </a:xfrm>
           <a:prstGeom prst="rect">
@@ -2723,7 +2728,7 @@
           <a:p>
             <a:fld id="{52F25E00-0E50-1E46-B438-41C2AF5E2D41}" type="datetimeFigureOut">
               <a:rPr lang="en-US" smtClean="0"/>
-              <a:t>7/07/18</a:t>
+              <a:t>24/07/18</a:t>
             </a:fld>
             <a:endParaRPr lang="en-US"/>
           </a:p>
@@ -2741,7 +2746,7 @@
         </p:nvSpPr>
         <p:spPr>
           <a:xfrm>
-            <a:off x="3124200" y="6356350"/>
+            <a:off x="3124200" y="6356352"/>
             <a:ext cx="2895600" cy="365125"/>
           </a:xfrm>
           <a:prstGeom prst="rect">
@@ -2778,7 +2783,7 @@
         </p:nvSpPr>
         <p:spPr>
           <a:xfrm>
-            <a:off x="6553200" y="6356350"/>
+            <a:off x="6553200" y="6356352"/>
             <a:ext cx="2133600" cy="365125"/>
           </a:xfrm>
           <a:prstGeom prst="rect">
@@ -3106,7 +3111,7 @@
         </p:nvGrpSpPr>
         <p:grpSpPr>
           <a:xfrm>
-            <a:off x="2499145" y="1720001"/>
+            <a:off x="2499146" y="1720001"/>
             <a:ext cx="4414341" cy="3698038"/>
             <a:chOff x="2499145" y="1720001"/>
             <a:chExt cx="4414341" cy="3698038"/>
@@ -3538,13 +3543,933 @@
       </p:grpSpPr>
       <p:grpSp>
         <p:nvGrpSpPr>
+          <p:cNvPr id="11" name="Group 10"/>
+          <p:cNvGrpSpPr/>
+          <p:nvPr/>
+        </p:nvGrpSpPr>
+        <p:grpSpPr>
+          <a:xfrm>
+            <a:off x="-9953" y="152572"/>
+            <a:ext cx="3034035" cy="2469264"/>
+            <a:chOff x="3721986" y="2610889"/>
+            <a:chExt cx="3034035" cy="2469263"/>
+          </a:xfrm>
+        </p:grpSpPr>
+        <p:sp>
+          <p:nvSpPr>
+            <p:cNvPr id="4" name="Hexagon 3"/>
+            <p:cNvSpPr/>
+            <p:nvPr/>
+          </p:nvSpPr>
+          <p:spPr>
+            <a:xfrm>
+              <a:off x="3721986" y="3439525"/>
+              <a:ext cx="3034035" cy="1640627"/>
+            </a:xfrm>
+            <a:prstGeom prst="hexagon">
+              <a:avLst/>
+            </a:prstGeom>
+            <a:solidFill>
+              <a:schemeClr val="accent6">
+                <a:lumMod val="75000"/>
+              </a:schemeClr>
+            </a:solidFill>
+            <a:ln>
+              <a:noFill/>
+            </a:ln>
+            <a:effectLst/>
+          </p:spPr>
+          <p:style>
+            <a:lnRef idx="1">
+              <a:schemeClr val="accent1"/>
+            </a:lnRef>
+            <a:fillRef idx="3">
+              <a:schemeClr val="accent1"/>
+            </a:fillRef>
+            <a:effectRef idx="2">
+              <a:schemeClr val="accent1"/>
+            </a:effectRef>
+            <a:fontRef idx="minor">
+              <a:schemeClr val="lt1"/>
+            </a:fontRef>
+          </p:style>
+          <p:txBody>
+            <a:bodyPr rtlCol="0" anchor="ctr"/>
+            <a:lstStyle/>
+            <a:p>
+              <a:pPr algn="ctr"/>
+              <a:endParaRPr lang="en-US"/>
+            </a:p>
+          </p:txBody>
+        </p:sp>
+        <p:sp>
+          <p:nvSpPr>
+            <p:cNvPr id="7" name="Isosceles Triangle 6"/>
+            <p:cNvSpPr/>
+            <p:nvPr/>
+          </p:nvSpPr>
+          <p:spPr>
+            <a:xfrm>
+              <a:off x="4445215" y="2610889"/>
+              <a:ext cx="476274" cy="846775"/>
+            </a:xfrm>
+            <a:prstGeom prst="triangle">
+              <a:avLst/>
+            </a:prstGeom>
+            <a:solidFill>
+              <a:srgbClr val="E46C0A"/>
+            </a:solidFill>
+            <a:ln>
+              <a:noFill/>
+            </a:ln>
+            <a:effectLst/>
+          </p:spPr>
+          <p:style>
+            <a:lnRef idx="1">
+              <a:schemeClr val="accent1"/>
+            </a:lnRef>
+            <a:fillRef idx="3">
+              <a:schemeClr val="accent1"/>
+            </a:fillRef>
+            <a:effectRef idx="2">
+              <a:schemeClr val="accent1"/>
+            </a:effectRef>
+            <a:fontRef idx="minor">
+              <a:schemeClr val="lt1"/>
+            </a:fontRef>
+          </p:style>
+          <p:txBody>
+            <a:bodyPr rtlCol="0" anchor="ctr"/>
+            <a:lstStyle/>
+            <a:p>
+              <a:pPr algn="ctr"/>
+              <a:endParaRPr lang="en-US"/>
+            </a:p>
+          </p:txBody>
+        </p:sp>
+        <p:sp>
+          <p:nvSpPr>
+            <p:cNvPr id="8" name="Isosceles Triangle 7"/>
+            <p:cNvSpPr/>
+            <p:nvPr/>
+          </p:nvSpPr>
+          <p:spPr>
+            <a:xfrm>
+              <a:off x="4818112" y="2610889"/>
+              <a:ext cx="476274" cy="846775"/>
+            </a:xfrm>
+            <a:prstGeom prst="triangle">
+              <a:avLst/>
+            </a:prstGeom>
+            <a:solidFill>
+              <a:srgbClr val="E46C0A"/>
+            </a:solidFill>
+            <a:ln>
+              <a:noFill/>
+            </a:ln>
+            <a:effectLst/>
+          </p:spPr>
+          <p:style>
+            <a:lnRef idx="1">
+              <a:schemeClr val="accent1"/>
+            </a:lnRef>
+            <a:fillRef idx="3">
+              <a:schemeClr val="accent1"/>
+            </a:fillRef>
+            <a:effectRef idx="2">
+              <a:schemeClr val="accent1"/>
+            </a:effectRef>
+            <a:fontRef idx="minor">
+              <a:schemeClr val="lt1"/>
+            </a:fontRef>
+          </p:style>
+          <p:txBody>
+            <a:bodyPr rtlCol="0" anchor="ctr"/>
+            <a:lstStyle/>
+            <a:p>
+              <a:pPr algn="ctr"/>
+              <a:endParaRPr lang="en-US"/>
+            </a:p>
+          </p:txBody>
+        </p:sp>
+        <p:sp>
+          <p:nvSpPr>
+            <p:cNvPr id="9" name="Isosceles Triangle 8"/>
+            <p:cNvSpPr/>
+            <p:nvPr/>
+          </p:nvSpPr>
+          <p:spPr>
+            <a:xfrm>
+              <a:off x="5191010" y="2610889"/>
+              <a:ext cx="476274" cy="846775"/>
+            </a:xfrm>
+            <a:prstGeom prst="triangle">
+              <a:avLst/>
+            </a:prstGeom>
+            <a:solidFill>
+              <a:srgbClr val="E46C0A"/>
+            </a:solidFill>
+            <a:ln>
+              <a:noFill/>
+            </a:ln>
+            <a:effectLst/>
+          </p:spPr>
+          <p:style>
+            <a:lnRef idx="1">
+              <a:schemeClr val="accent1"/>
+            </a:lnRef>
+            <a:fillRef idx="3">
+              <a:schemeClr val="accent1"/>
+            </a:fillRef>
+            <a:effectRef idx="2">
+              <a:schemeClr val="accent1"/>
+            </a:effectRef>
+            <a:fontRef idx="minor">
+              <a:schemeClr val="lt1"/>
+            </a:fontRef>
+          </p:style>
+          <p:txBody>
+            <a:bodyPr rtlCol="0" anchor="ctr"/>
+            <a:lstStyle/>
+            <a:p>
+              <a:pPr algn="ctr"/>
+              <a:endParaRPr lang="en-US"/>
+            </a:p>
+          </p:txBody>
+        </p:sp>
+        <p:sp>
+          <p:nvSpPr>
+            <p:cNvPr id="10" name="Isosceles Triangle 9"/>
+            <p:cNvSpPr/>
+            <p:nvPr/>
+          </p:nvSpPr>
+          <p:spPr>
+            <a:xfrm>
+              <a:off x="5563907" y="2610889"/>
+              <a:ext cx="476274" cy="846775"/>
+            </a:xfrm>
+            <a:prstGeom prst="triangle">
+              <a:avLst/>
+            </a:prstGeom>
+            <a:solidFill>
+              <a:srgbClr val="E46C0A"/>
+            </a:solidFill>
+            <a:ln>
+              <a:noFill/>
+            </a:ln>
+            <a:effectLst/>
+          </p:spPr>
+          <p:style>
+            <a:lnRef idx="1">
+              <a:schemeClr val="accent1"/>
+            </a:lnRef>
+            <a:fillRef idx="3">
+              <a:schemeClr val="accent1"/>
+            </a:fillRef>
+            <a:effectRef idx="2">
+              <a:schemeClr val="accent1"/>
+            </a:effectRef>
+            <a:fontRef idx="minor">
+              <a:schemeClr val="lt1"/>
+            </a:fontRef>
+          </p:style>
+          <p:txBody>
+            <a:bodyPr rtlCol="0" anchor="ctr"/>
+            <a:lstStyle/>
+            <a:p>
+              <a:pPr algn="ctr"/>
+              <a:endParaRPr lang="en-US"/>
+            </a:p>
+          </p:txBody>
+        </p:sp>
+      </p:grpSp>
+      <p:grpSp>
+        <p:nvGrpSpPr>
+          <p:cNvPr id="6" name="Group 5"/>
+          <p:cNvGrpSpPr/>
+          <p:nvPr/>
+        </p:nvGrpSpPr>
+        <p:grpSpPr>
+          <a:xfrm>
+            <a:off x="4010396" y="1485994"/>
+            <a:ext cx="4510395" cy="4284192"/>
+            <a:chOff x="4343319" y="2712550"/>
+            <a:chExt cx="3133351" cy="2876993"/>
+          </a:xfrm>
+        </p:grpSpPr>
+        <p:sp>
+          <p:nvSpPr>
+            <p:cNvPr id="14" name="Rectangle 13"/>
+            <p:cNvSpPr/>
+            <p:nvPr/>
+          </p:nvSpPr>
+          <p:spPr>
+            <a:xfrm>
+              <a:off x="4343319" y="4675139"/>
+              <a:ext cx="569685" cy="643802"/>
+            </a:xfrm>
+            <a:prstGeom prst="rect">
+              <a:avLst/>
+            </a:prstGeom>
+            <a:solidFill>
+              <a:schemeClr val="accent1">
+                <a:lumMod val="60000"/>
+                <a:lumOff val="40000"/>
+              </a:schemeClr>
+            </a:solidFill>
+            <a:ln>
+              <a:noFill/>
+            </a:ln>
+            <a:effectLst/>
+          </p:spPr>
+          <p:style>
+            <a:lnRef idx="1">
+              <a:schemeClr val="accent1"/>
+            </a:lnRef>
+            <a:fillRef idx="3">
+              <a:schemeClr val="accent1"/>
+            </a:fillRef>
+            <a:effectRef idx="2">
+              <a:schemeClr val="accent1"/>
+            </a:effectRef>
+            <a:fontRef idx="minor">
+              <a:schemeClr val="lt1"/>
+            </a:fontRef>
+          </p:style>
+          <p:txBody>
+            <a:bodyPr rtlCol="0" anchor="ctr"/>
+            <a:lstStyle/>
+            <a:p>
+              <a:pPr algn="ctr"/>
+              <a:endParaRPr lang="en-US"/>
+            </a:p>
+          </p:txBody>
+        </p:sp>
+        <p:sp>
+          <p:nvSpPr>
+            <p:cNvPr id="15" name="Rectangle 14"/>
+            <p:cNvSpPr/>
+            <p:nvPr/>
+          </p:nvSpPr>
+          <p:spPr>
+            <a:xfrm>
+              <a:off x="4343320" y="3501569"/>
+              <a:ext cx="569685" cy="643802"/>
+            </a:xfrm>
+            <a:prstGeom prst="rect">
+              <a:avLst/>
+            </a:prstGeom>
+            <a:solidFill>
+              <a:schemeClr val="accent1">
+                <a:lumMod val="60000"/>
+                <a:lumOff val="40000"/>
+              </a:schemeClr>
+            </a:solidFill>
+            <a:ln>
+              <a:noFill/>
+            </a:ln>
+            <a:effectLst/>
+          </p:spPr>
+          <p:style>
+            <a:lnRef idx="1">
+              <a:schemeClr val="accent1"/>
+            </a:lnRef>
+            <a:fillRef idx="3">
+              <a:schemeClr val="accent1"/>
+            </a:fillRef>
+            <a:effectRef idx="2">
+              <a:schemeClr val="accent1"/>
+            </a:effectRef>
+            <a:fontRef idx="minor">
+              <a:schemeClr val="lt1"/>
+            </a:fontRef>
+          </p:style>
+          <p:txBody>
+            <a:bodyPr rtlCol="0" anchor="ctr"/>
+            <a:lstStyle/>
+            <a:p>
+              <a:pPr algn="ctr"/>
+              <a:endParaRPr lang="en-US"/>
+            </a:p>
+          </p:txBody>
+        </p:sp>
+        <p:sp>
+          <p:nvSpPr>
+            <p:cNvPr id="13" name="Rectangle 12"/>
+            <p:cNvSpPr/>
+            <p:nvPr/>
+          </p:nvSpPr>
+          <p:spPr>
+            <a:xfrm>
+              <a:off x="6906985" y="4693282"/>
+              <a:ext cx="569685" cy="643802"/>
+            </a:xfrm>
+            <a:prstGeom prst="rect">
+              <a:avLst/>
+            </a:prstGeom>
+            <a:solidFill>
+              <a:schemeClr val="accent1">
+                <a:lumMod val="60000"/>
+                <a:lumOff val="40000"/>
+              </a:schemeClr>
+            </a:solidFill>
+            <a:ln>
+              <a:noFill/>
+            </a:ln>
+            <a:effectLst/>
+          </p:spPr>
+          <p:style>
+            <a:lnRef idx="1">
+              <a:schemeClr val="accent1"/>
+            </a:lnRef>
+            <a:fillRef idx="3">
+              <a:schemeClr val="accent1"/>
+            </a:fillRef>
+            <a:effectRef idx="2">
+              <a:schemeClr val="accent1"/>
+            </a:effectRef>
+            <a:fontRef idx="minor">
+              <a:schemeClr val="lt1"/>
+            </a:fontRef>
+          </p:style>
+          <p:txBody>
+            <a:bodyPr rtlCol="0" anchor="ctr"/>
+            <a:lstStyle/>
+            <a:p>
+              <a:pPr algn="ctr"/>
+              <a:endParaRPr lang="en-US"/>
+            </a:p>
+          </p:txBody>
+        </p:sp>
+        <p:sp>
+          <p:nvSpPr>
+            <p:cNvPr id="12" name="Rectangle 11"/>
+            <p:cNvSpPr/>
+            <p:nvPr/>
+          </p:nvSpPr>
+          <p:spPr>
+            <a:xfrm>
+              <a:off x="6906985" y="3519712"/>
+              <a:ext cx="569685" cy="643802"/>
+            </a:xfrm>
+            <a:prstGeom prst="rect">
+              <a:avLst/>
+            </a:prstGeom>
+            <a:solidFill>
+              <a:schemeClr val="accent1">
+                <a:lumMod val="60000"/>
+                <a:lumOff val="40000"/>
+              </a:schemeClr>
+            </a:solidFill>
+            <a:ln>
+              <a:noFill/>
+            </a:ln>
+            <a:effectLst/>
+          </p:spPr>
+          <p:style>
+            <a:lnRef idx="1">
+              <a:schemeClr val="accent1"/>
+            </a:lnRef>
+            <a:fillRef idx="3">
+              <a:schemeClr val="accent1"/>
+            </a:fillRef>
+            <a:effectRef idx="2">
+              <a:schemeClr val="accent1"/>
+            </a:effectRef>
+            <a:fontRef idx="minor">
+              <a:schemeClr val="lt1"/>
+            </a:fontRef>
+          </p:style>
+          <p:txBody>
+            <a:bodyPr rtlCol="0" anchor="ctr"/>
+            <a:lstStyle/>
+            <a:p>
+              <a:pPr algn="ctr"/>
+              <a:endParaRPr lang="en-US"/>
+            </a:p>
+          </p:txBody>
+        </p:sp>
+        <p:sp>
+          <p:nvSpPr>
+            <p:cNvPr id="2" name="Rectangle 1"/>
+            <p:cNvSpPr/>
+            <p:nvPr/>
+          </p:nvSpPr>
+          <p:spPr>
+            <a:xfrm>
+              <a:off x="4662715" y="3211285"/>
+              <a:ext cx="2485571" cy="2378258"/>
+            </a:xfrm>
+            <a:prstGeom prst="rect">
+              <a:avLst/>
+            </a:prstGeom>
+            <a:solidFill>
+              <a:srgbClr val="6A8CA3"/>
+            </a:solidFill>
+            <a:ln>
+              <a:noFill/>
+            </a:ln>
+            <a:effectLst/>
+          </p:spPr>
+          <p:style>
+            <a:lnRef idx="1">
+              <a:schemeClr val="accent1"/>
+            </a:lnRef>
+            <a:fillRef idx="3">
+              <a:schemeClr val="accent1"/>
+            </a:fillRef>
+            <a:effectRef idx="2">
+              <a:schemeClr val="accent1"/>
+            </a:effectRef>
+            <a:fontRef idx="minor">
+              <a:schemeClr val="lt1"/>
+            </a:fontRef>
+          </p:style>
+          <p:txBody>
+            <a:bodyPr rtlCol="0" anchor="ctr"/>
+            <a:lstStyle/>
+            <a:p>
+              <a:pPr algn="ctr"/>
+              <a:endParaRPr lang="en-US"/>
+            </a:p>
+          </p:txBody>
+        </p:sp>
+        <p:sp>
+          <p:nvSpPr>
+            <p:cNvPr id="3" name="Oval 2"/>
+            <p:cNvSpPr/>
+            <p:nvPr/>
+          </p:nvSpPr>
+          <p:spPr>
+            <a:xfrm>
+              <a:off x="5415643" y="3791856"/>
+              <a:ext cx="1034143" cy="1034143"/>
+            </a:xfrm>
+            <a:prstGeom prst="ellipse">
+              <a:avLst/>
+            </a:prstGeom>
+            <a:solidFill>
+              <a:srgbClr val="95B3D7"/>
+            </a:solidFill>
+            <a:ln>
+              <a:noFill/>
+            </a:ln>
+            <a:effectLst/>
+          </p:spPr>
+          <p:style>
+            <a:lnRef idx="1">
+              <a:schemeClr val="accent1"/>
+            </a:lnRef>
+            <a:fillRef idx="3">
+              <a:schemeClr val="accent1"/>
+            </a:fillRef>
+            <a:effectRef idx="2">
+              <a:schemeClr val="accent1"/>
+            </a:effectRef>
+            <a:fontRef idx="minor">
+              <a:schemeClr val="lt1"/>
+            </a:fontRef>
+          </p:style>
+          <p:txBody>
+            <a:bodyPr rtlCol="0" anchor="ctr"/>
+            <a:lstStyle/>
+            <a:p>
+              <a:pPr algn="ctr"/>
+              <a:endParaRPr lang="en-US"/>
+            </a:p>
+          </p:txBody>
+        </p:sp>
+        <p:sp>
+          <p:nvSpPr>
+            <p:cNvPr id="16" name="Rectangle 15"/>
+            <p:cNvSpPr/>
+            <p:nvPr/>
+          </p:nvSpPr>
+          <p:spPr>
+            <a:xfrm>
+              <a:off x="5678715" y="2712550"/>
+              <a:ext cx="489859" cy="1432821"/>
+            </a:xfrm>
+            <a:prstGeom prst="rect">
+              <a:avLst/>
+            </a:prstGeom>
+            <a:solidFill>
+              <a:schemeClr val="accent1">
+                <a:lumMod val="60000"/>
+                <a:lumOff val="40000"/>
+              </a:schemeClr>
+            </a:solidFill>
+            <a:ln>
+              <a:noFill/>
+            </a:ln>
+            <a:effectLst/>
+          </p:spPr>
+          <p:style>
+            <a:lnRef idx="1">
+              <a:schemeClr val="accent1"/>
+            </a:lnRef>
+            <a:fillRef idx="3">
+              <a:schemeClr val="accent1"/>
+            </a:fillRef>
+            <a:effectRef idx="2">
+              <a:schemeClr val="accent1"/>
+            </a:effectRef>
+            <a:fontRef idx="minor">
+              <a:schemeClr val="lt1"/>
+            </a:fontRef>
+          </p:style>
+          <p:txBody>
+            <a:bodyPr rtlCol="0" anchor="ctr"/>
+            <a:lstStyle/>
+            <a:p>
+              <a:pPr algn="ctr"/>
+              <a:endParaRPr lang="en-US"/>
+            </a:p>
+          </p:txBody>
+        </p:sp>
+      </p:grpSp>
+      <p:sp>
+        <p:nvSpPr>
+          <p:cNvPr id="18" name="TextBox 17"/>
+          <p:cNvSpPr txBox="1"/>
+          <p:nvPr/>
+        </p:nvSpPr>
+        <p:spPr>
+          <a:xfrm>
+            <a:off x="10359571" y="3755571"/>
+            <a:ext cx="184666" cy="369332"/>
+          </a:xfrm>
+          <a:prstGeom prst="rect">
+            <a:avLst/>
+          </a:prstGeom>
+          <a:noFill/>
+        </p:spPr>
+        <p:txBody>
+          <a:bodyPr wrap="none" rtlCol="0">
+            <a:spAutoFit/>
+          </a:bodyPr>
+          <a:lstStyle/>
+          <a:p>
+            <a:endParaRPr lang="en-US" dirty="0"/>
+          </a:p>
+        </p:txBody>
+      </p:sp>
+    </p:spTree>
+    <p:extLst>
+      <p:ext uri="{BB962C8B-B14F-4D97-AF65-F5344CB8AC3E}">
+        <p14:creationId xmlns:p14="http://schemas.microsoft.com/office/powerpoint/2010/main" val="4272940382"/>
+      </p:ext>
+    </p:extLst>
+  </p:cSld>
+  <p:clrMapOvr>
+    <a:masterClrMapping/>
+  </p:clrMapOvr>
+</p:sld>
+</file>
+
+<file path=ppt/slides/slide3.xml><?xml version="1.0" encoding="utf-8"?>
+<p:sld xmlns:a="http://schemas.openxmlformats.org/drawingml/2006/main" xmlns:r="http://schemas.openxmlformats.org/officeDocument/2006/relationships" xmlns:p="http://schemas.openxmlformats.org/presentationml/2006/main">
+  <p:cSld>
+    <p:spTree>
+      <p:nvGrpSpPr>
+        <p:cNvPr id="1" name=""/>
+        <p:cNvGrpSpPr/>
+        <p:nvPr/>
+      </p:nvGrpSpPr>
+      <p:grpSpPr>
+        <a:xfrm>
+          <a:off x="0" y="0"/>
+          <a:ext cx="0" cy="0"/>
+          <a:chOff x="0" y="0"/>
+          <a:chExt cx="0" cy="0"/>
+        </a:xfrm>
+      </p:grpSpPr>
+      <p:grpSp>
+        <p:nvGrpSpPr>
+          <p:cNvPr id="8" name="Group 7"/>
+          <p:cNvGrpSpPr/>
+          <p:nvPr/>
+        </p:nvGrpSpPr>
+        <p:grpSpPr>
+          <a:xfrm>
+            <a:off x="-2003" y="0"/>
+            <a:ext cx="9146006" cy="6858000"/>
+            <a:chOff x="1586007" y="282318"/>
+            <a:chExt cx="7163304" cy="5327631"/>
+          </a:xfrm>
+        </p:grpSpPr>
+        <p:sp>
+          <p:nvSpPr>
+            <p:cNvPr id="4" name="Rectangle 3"/>
+            <p:cNvSpPr/>
+            <p:nvPr/>
+          </p:nvSpPr>
+          <p:spPr>
+            <a:xfrm>
+              <a:off x="8410961" y="282318"/>
+              <a:ext cx="338350" cy="5327629"/>
+            </a:xfrm>
+            <a:prstGeom prst="rect">
+              <a:avLst/>
+            </a:prstGeom>
+            <a:gradFill flip="none" rotWithShape="1">
+              <a:gsLst>
+                <a:gs pos="100000">
+                  <a:schemeClr val="accent2">
+                    <a:lumMod val="75000"/>
+                  </a:schemeClr>
+                </a:gs>
+                <a:gs pos="0">
+                  <a:srgbClr val="FFFFFF">
+                    <a:alpha val="0"/>
+                  </a:srgbClr>
+                </a:gs>
+              </a:gsLst>
+              <a:lin ang="0" scaled="1"/>
+              <a:tileRect/>
+            </a:gradFill>
+            <a:ln>
+              <a:noFill/>
+            </a:ln>
+            <a:effectLst/>
+          </p:spPr>
+          <p:style>
+            <a:lnRef idx="1">
+              <a:schemeClr val="accent1"/>
+            </a:lnRef>
+            <a:fillRef idx="3">
+              <a:schemeClr val="accent1"/>
+            </a:fillRef>
+            <a:effectRef idx="2">
+              <a:schemeClr val="accent1"/>
+            </a:effectRef>
+            <a:fontRef idx="minor">
+              <a:schemeClr val="lt1"/>
+            </a:fontRef>
+          </p:style>
+          <p:txBody>
+            <a:bodyPr rtlCol="0" anchor="ctr"/>
+            <a:lstStyle/>
+            <a:p>
+              <a:pPr algn="ctr"/>
+              <a:endParaRPr lang="en-US"/>
+            </a:p>
+          </p:txBody>
+        </p:sp>
+        <p:sp>
+          <p:nvSpPr>
+            <p:cNvPr id="5" name="Rectangle 4"/>
+            <p:cNvSpPr/>
+            <p:nvPr/>
+          </p:nvSpPr>
+          <p:spPr>
+            <a:xfrm rot="16200000">
+              <a:off x="5000644" y="-3130747"/>
+              <a:ext cx="335599" cy="7161733"/>
+            </a:xfrm>
+            <a:prstGeom prst="rect">
+              <a:avLst/>
+            </a:prstGeom>
+            <a:gradFill flip="none" rotWithShape="1">
+              <a:gsLst>
+                <a:gs pos="100000">
+                  <a:schemeClr val="accent2">
+                    <a:lumMod val="75000"/>
+                  </a:schemeClr>
+                </a:gs>
+                <a:gs pos="0">
+                  <a:srgbClr val="FFFFFF">
+                    <a:alpha val="0"/>
+                  </a:srgbClr>
+                </a:gs>
+              </a:gsLst>
+              <a:lin ang="0" scaled="1"/>
+              <a:tileRect/>
+            </a:gradFill>
+            <a:ln>
+              <a:noFill/>
+            </a:ln>
+            <a:effectLst/>
+          </p:spPr>
+          <p:style>
+            <a:lnRef idx="1">
+              <a:schemeClr val="accent1"/>
+            </a:lnRef>
+            <a:fillRef idx="3">
+              <a:schemeClr val="accent1"/>
+            </a:fillRef>
+            <a:effectRef idx="2">
+              <a:schemeClr val="accent1"/>
+            </a:effectRef>
+            <a:fontRef idx="minor">
+              <a:schemeClr val="lt1"/>
+            </a:fontRef>
+          </p:style>
+          <p:txBody>
+            <a:bodyPr rtlCol="0" anchor="ctr"/>
+            <a:lstStyle/>
+            <a:p>
+              <a:pPr algn="ctr"/>
+              <a:endParaRPr lang="en-US"/>
+            </a:p>
+          </p:txBody>
+        </p:sp>
+        <p:sp>
+          <p:nvSpPr>
+            <p:cNvPr id="6" name="Rectangle 5"/>
+            <p:cNvSpPr/>
+            <p:nvPr/>
+          </p:nvSpPr>
+          <p:spPr>
+            <a:xfrm rot="5400000">
+              <a:off x="5000645" y="1861282"/>
+              <a:ext cx="335599" cy="7161733"/>
+            </a:xfrm>
+            <a:prstGeom prst="rect">
+              <a:avLst/>
+            </a:prstGeom>
+            <a:gradFill flip="none" rotWithShape="1">
+              <a:gsLst>
+                <a:gs pos="100000">
+                  <a:schemeClr val="accent2">
+                    <a:lumMod val="75000"/>
+                  </a:schemeClr>
+                </a:gs>
+                <a:gs pos="0">
+                  <a:srgbClr val="FFFFFF">
+                    <a:alpha val="0"/>
+                  </a:srgbClr>
+                </a:gs>
+              </a:gsLst>
+              <a:lin ang="0" scaled="1"/>
+              <a:tileRect/>
+            </a:gradFill>
+            <a:ln>
+              <a:noFill/>
+            </a:ln>
+            <a:effectLst/>
+          </p:spPr>
+          <p:style>
+            <a:lnRef idx="1">
+              <a:schemeClr val="accent1"/>
+            </a:lnRef>
+            <a:fillRef idx="3">
+              <a:schemeClr val="accent1"/>
+            </a:fillRef>
+            <a:effectRef idx="2">
+              <a:schemeClr val="accent1"/>
+            </a:effectRef>
+            <a:fontRef idx="minor">
+              <a:schemeClr val="lt1"/>
+            </a:fontRef>
+          </p:style>
+          <p:txBody>
+            <a:bodyPr rtlCol="0" anchor="ctr"/>
+            <a:lstStyle/>
+            <a:p>
+              <a:pPr algn="ctr"/>
+              <a:endParaRPr lang="en-US"/>
+            </a:p>
+          </p:txBody>
+        </p:sp>
+        <p:sp>
+          <p:nvSpPr>
+            <p:cNvPr id="7" name="Rectangle 6"/>
+            <p:cNvSpPr/>
+            <p:nvPr/>
+          </p:nvSpPr>
+          <p:spPr>
+            <a:xfrm rot="10800000">
+              <a:off x="1586007" y="282320"/>
+              <a:ext cx="338350" cy="5327629"/>
+            </a:xfrm>
+            <a:prstGeom prst="rect">
+              <a:avLst/>
+            </a:prstGeom>
+            <a:gradFill flip="none" rotWithShape="1">
+              <a:gsLst>
+                <a:gs pos="100000">
+                  <a:schemeClr val="accent2">
+                    <a:lumMod val="75000"/>
+                  </a:schemeClr>
+                </a:gs>
+                <a:gs pos="0">
+                  <a:srgbClr val="FFFFFF">
+                    <a:alpha val="0"/>
+                  </a:srgbClr>
+                </a:gs>
+              </a:gsLst>
+              <a:lin ang="0" scaled="1"/>
+              <a:tileRect/>
+            </a:gradFill>
+            <a:ln>
+              <a:noFill/>
+            </a:ln>
+            <a:effectLst/>
+          </p:spPr>
+          <p:style>
+            <a:lnRef idx="1">
+              <a:schemeClr val="accent1"/>
+            </a:lnRef>
+            <a:fillRef idx="3">
+              <a:schemeClr val="accent1"/>
+            </a:fillRef>
+            <a:effectRef idx="2">
+              <a:schemeClr val="accent1"/>
+            </a:effectRef>
+            <a:fontRef idx="minor">
+              <a:schemeClr val="lt1"/>
+            </a:fontRef>
+          </p:style>
+          <p:txBody>
+            <a:bodyPr rtlCol="0" anchor="ctr"/>
+            <a:lstStyle/>
+            <a:p>
+              <a:pPr algn="ctr"/>
+              <a:endParaRPr lang="en-US"/>
+            </a:p>
+          </p:txBody>
+        </p:sp>
+      </p:grpSp>
+    </p:spTree>
+    <p:extLst>
+      <p:ext uri="{BB962C8B-B14F-4D97-AF65-F5344CB8AC3E}">
+        <p14:creationId xmlns:p14="http://schemas.microsoft.com/office/powerpoint/2010/main" val="1532430567"/>
+      </p:ext>
+    </p:extLst>
+  </p:cSld>
+  <p:clrMapOvr>
+    <a:masterClrMapping/>
+  </p:clrMapOvr>
+</p:sld>
+</file>
+
+<file path=ppt/slides/slide4.xml><?xml version="1.0" encoding="utf-8"?>
+<p:sld xmlns:a="http://schemas.openxmlformats.org/drawingml/2006/main" xmlns:r="http://schemas.openxmlformats.org/officeDocument/2006/relationships" xmlns:p="http://schemas.openxmlformats.org/presentationml/2006/main">
+  <p:cSld>
+    <p:spTree>
+      <p:nvGrpSpPr>
+        <p:cNvPr id="1" name=""/>
+        <p:cNvGrpSpPr/>
+        <p:nvPr/>
+      </p:nvGrpSpPr>
+      <p:grpSpPr>
+        <a:xfrm>
+          <a:off x="0" y="0"/>
+          <a:ext cx="0" cy="0"/>
+          <a:chOff x="0" y="0"/>
+          <a:chExt cx="0" cy="0"/>
+        </a:xfrm>
+      </p:grpSpPr>
+      <p:grpSp>
+        <p:nvGrpSpPr>
           <p:cNvPr id="7" name="Group 6"/>
           <p:cNvGrpSpPr/>
           <p:nvPr/>
         </p:nvGrpSpPr>
         <p:grpSpPr>
           <a:xfrm>
-            <a:off x="1940370" y="1781757"/>
+            <a:off x="370435" y="448724"/>
             <a:ext cx="3669067" cy="2530112"/>
             <a:chOff x="1940370" y="1781757"/>
             <a:chExt cx="3669067" cy="2530112"/>
@@ -3713,6 +4638,122 @@
           </p:txBody>
         </p:sp>
       </p:grpSp>
+      <p:sp>
+        <p:nvSpPr>
+          <p:cNvPr id="2" name="Rectangle 1"/>
+          <p:cNvSpPr/>
+          <p:nvPr/>
+        </p:nvSpPr>
+        <p:spPr>
+          <a:xfrm>
+            <a:off x="7532169" y="1058469"/>
+            <a:ext cx="776148" cy="5327629"/>
+          </a:xfrm>
+          <a:prstGeom prst="rect">
+            <a:avLst/>
+          </a:prstGeom>
+          <a:gradFill flip="none" rotWithShape="1">
+            <a:gsLst>
+              <a:gs pos="100000">
+                <a:schemeClr val="accent2">
+                  <a:lumMod val="75000"/>
+                </a:schemeClr>
+              </a:gs>
+              <a:gs pos="0">
+                <a:srgbClr val="FFFFFF">
+                  <a:alpha val="0"/>
+                </a:srgbClr>
+              </a:gs>
+            </a:gsLst>
+            <a:lin ang="0" scaled="1"/>
+            <a:tileRect/>
+          </a:gradFill>
+          <a:ln>
+            <a:noFill/>
+          </a:ln>
+          <a:effectLst/>
+        </p:spPr>
+        <p:style>
+          <a:lnRef idx="1">
+            <a:schemeClr val="accent1"/>
+          </a:lnRef>
+          <a:fillRef idx="3">
+            <a:schemeClr val="accent1"/>
+          </a:fillRef>
+          <a:effectRef idx="2">
+            <a:schemeClr val="accent1"/>
+          </a:effectRef>
+          <a:fontRef idx="minor">
+            <a:schemeClr val="lt1"/>
+          </a:fontRef>
+        </p:style>
+        <p:txBody>
+          <a:bodyPr rtlCol="0" anchor="ctr"/>
+          <a:lstStyle/>
+          <a:p>
+            <a:pPr algn="ctr"/>
+            <a:endParaRPr lang="en-US"/>
+          </a:p>
+        </p:txBody>
+      </p:sp>
+      <p:sp>
+        <p:nvSpPr>
+          <p:cNvPr id="8" name="Rectangle 7"/>
+          <p:cNvSpPr/>
+          <p:nvPr/>
+        </p:nvSpPr>
+        <p:spPr>
+          <a:xfrm rot="16200000">
+            <a:off x="5256427" y="-1217271"/>
+            <a:ext cx="776148" cy="5327629"/>
+          </a:xfrm>
+          <a:prstGeom prst="rect">
+            <a:avLst/>
+          </a:prstGeom>
+          <a:gradFill flip="none" rotWithShape="1">
+            <a:gsLst>
+              <a:gs pos="100000">
+                <a:schemeClr val="accent2">
+                  <a:lumMod val="75000"/>
+                </a:schemeClr>
+              </a:gs>
+              <a:gs pos="0">
+                <a:srgbClr val="FFFFFF">
+                  <a:alpha val="0"/>
+                </a:srgbClr>
+              </a:gs>
+            </a:gsLst>
+            <a:lin ang="0" scaled="1"/>
+            <a:tileRect/>
+          </a:gradFill>
+          <a:ln>
+            <a:noFill/>
+          </a:ln>
+          <a:effectLst/>
+        </p:spPr>
+        <p:style>
+          <a:lnRef idx="1">
+            <a:schemeClr val="accent1"/>
+          </a:lnRef>
+          <a:fillRef idx="3">
+            <a:schemeClr val="accent1"/>
+          </a:fillRef>
+          <a:effectRef idx="2">
+            <a:schemeClr val="accent1"/>
+          </a:effectRef>
+          <a:fontRef idx="minor">
+            <a:schemeClr val="lt1"/>
+          </a:fontRef>
+        </p:style>
+        <p:txBody>
+          <a:bodyPr rtlCol="0" anchor="ctr"/>
+          <a:lstStyle/>
+          <a:p>
+            <a:pPr algn="ctr"/>
+            <a:endParaRPr lang="en-US"/>
+          </a:p>
+        </p:txBody>
+      </p:sp>
     </p:spTree>
     <p:extLst>
       <p:ext uri="{BB962C8B-B14F-4D97-AF65-F5344CB8AC3E}">
@@ -3726,7 +4767,7 @@
 </p:sld>
 </file>
 
-<file path=ppt/slides/slide3.xml><?xml version="1.0" encoding="utf-8"?>
+<file path=ppt/slides/slide5.xml><?xml version="1.0" encoding="utf-8"?>
 <p:sld xmlns:a="http://schemas.openxmlformats.org/drawingml/2006/main" xmlns:r="http://schemas.openxmlformats.org/officeDocument/2006/relationships" xmlns:p="http://schemas.openxmlformats.org/presentationml/2006/main">
   <p:cSld>
     <p:spTree>
@@ -3796,7 +4837,7 @@
         </p:nvGrpSpPr>
         <p:grpSpPr>
           <a:xfrm>
-            <a:off x="3963245" y="398028"/>
+            <a:off x="3963246" y="398028"/>
             <a:ext cx="1317454" cy="1103674"/>
             <a:chOff x="2499145" y="1720001"/>
             <a:chExt cx="4414341" cy="3698038"/>
@@ -4204,7 +5245,7 @@
         </p:nvSpPr>
         <p:spPr>
           <a:xfrm>
-            <a:off x="1620518" y="4710189"/>
+            <a:off x="1620519" y="4710190"/>
             <a:ext cx="5874033" cy="954107"/>
           </a:xfrm>
           <a:prstGeom prst="rect">
@@ -4268,7 +5309,7 @@
 </p:sld>
 </file>
 
-<file path=ppt/slides/slide4.xml><?xml version="1.0" encoding="utf-8"?>
+<file path=ppt/slides/slide6.xml><?xml version="1.0" encoding="utf-8"?>
 <p:sld xmlns:a="http://schemas.openxmlformats.org/drawingml/2006/main" xmlns:r="http://schemas.openxmlformats.org/officeDocument/2006/relationships" xmlns:p="http://schemas.openxmlformats.org/presentationml/2006/main">
   <p:cSld>
     <p:spTree>
@@ -4293,8 +5334,8 @@
         </p:nvSpPr>
         <p:spPr>
           <a:xfrm>
-            <a:off x="-299876" y="-141129"/>
-            <a:ext cx="9443877" cy="6999129"/>
+            <a:off x="-299875" y="-141129"/>
+            <a:ext cx="9443877" cy="6999130"/>
           </a:xfrm>
           <a:prstGeom prst="rect">
             <a:avLst/>
@@ -4338,7 +5379,7 @@
         </p:nvGrpSpPr>
         <p:grpSpPr>
           <a:xfrm>
-            <a:off x="3963245" y="398028"/>
+            <a:off x="3963246" y="398028"/>
             <a:ext cx="1317454" cy="1103674"/>
             <a:chOff x="2499145" y="1720001"/>
             <a:chExt cx="4414341" cy="3698038"/>
@@ -4746,7 +5787,7 @@
         </p:nvSpPr>
         <p:spPr>
           <a:xfrm>
-            <a:off x="1620518" y="4710189"/>
+            <a:off x="1620519" y="4710190"/>
             <a:ext cx="5874033" cy="954107"/>
           </a:xfrm>
           <a:prstGeom prst="rect">
@@ -4801,6 +5842,703 @@
     <p:extLst>
       <p:ext uri="{BB962C8B-B14F-4D97-AF65-F5344CB8AC3E}">
         <p14:creationId xmlns:p14="http://schemas.microsoft.com/office/powerpoint/2010/main" val="1088775449"/>
+      </p:ext>
+    </p:extLst>
+  </p:cSld>
+  <p:clrMapOvr>
+    <a:masterClrMapping/>
+  </p:clrMapOvr>
+  <p:timing>
+    <p:tnLst>
+      <p:par>
+        <p:cTn xmlns:p14="http://schemas.microsoft.com/office/powerpoint/2010/main" id="1" dur="indefinite" restart="never" nodeType="tmRoot"/>
+      </p:par>
+    </p:tnLst>
+  </p:timing>
+</p:sld>
+</file>
+
+<file path=ppt/slides/slide7.xml><?xml version="1.0" encoding="utf-8"?>
+<p:sld xmlns:a="http://schemas.openxmlformats.org/drawingml/2006/main" xmlns:r="http://schemas.openxmlformats.org/officeDocument/2006/relationships" xmlns:p="http://schemas.openxmlformats.org/presentationml/2006/main">
+  <p:cSld>
+    <p:spTree>
+      <p:nvGrpSpPr>
+        <p:cNvPr id="1" name=""/>
+        <p:cNvGrpSpPr/>
+        <p:nvPr/>
+      </p:nvGrpSpPr>
+      <p:grpSpPr>
+        <a:xfrm>
+          <a:off x="0" y="0"/>
+          <a:ext cx="0" cy="0"/>
+          <a:chOff x="0" y="0"/>
+          <a:chExt cx="0" cy="0"/>
+        </a:xfrm>
+      </p:grpSpPr>
+      <p:sp>
+        <p:nvSpPr>
+          <p:cNvPr id="4" name="Rectangle 3"/>
+          <p:cNvSpPr/>
+          <p:nvPr/>
+        </p:nvSpPr>
+        <p:spPr>
+          <a:xfrm>
+            <a:off x="-299875" y="-141129"/>
+            <a:ext cx="9443877" cy="6999130"/>
+          </a:xfrm>
+          <a:prstGeom prst="rect">
+            <a:avLst/>
+          </a:prstGeom>
+          <a:solidFill>
+            <a:schemeClr val="tx1"/>
+          </a:solidFill>
+          <a:ln>
+            <a:noFill/>
+          </a:ln>
+          <a:effectLst/>
+        </p:spPr>
+        <p:style>
+          <a:lnRef idx="1">
+            <a:schemeClr val="accent1"/>
+          </a:lnRef>
+          <a:fillRef idx="3">
+            <a:schemeClr val="accent1"/>
+          </a:fillRef>
+          <a:effectRef idx="2">
+            <a:schemeClr val="accent1"/>
+          </a:effectRef>
+          <a:fontRef idx="minor">
+            <a:schemeClr val="lt1"/>
+          </a:fontRef>
+        </p:style>
+        <p:txBody>
+          <a:bodyPr rtlCol="0" anchor="ctr"/>
+          <a:lstStyle/>
+          <a:p>
+            <a:pPr algn="ctr"/>
+            <a:endParaRPr lang="en-US"/>
+          </a:p>
+        </p:txBody>
+      </p:sp>
+      <p:sp>
+        <p:nvSpPr>
+          <p:cNvPr id="14" name="TextBox 13"/>
+          <p:cNvSpPr txBox="1"/>
+          <p:nvPr/>
+        </p:nvSpPr>
+        <p:spPr>
+          <a:xfrm>
+            <a:off x="2343748" y="388107"/>
+            <a:ext cx="5874033" cy="646331"/>
+          </a:xfrm>
+          <a:prstGeom prst="rect">
+            <a:avLst/>
+          </a:prstGeom>
+          <a:noFill/>
+          <a:ln w="38100" cmpd="sng">
+            <a:noFill/>
+          </a:ln>
+        </p:spPr>
+        <p:txBody>
+          <a:bodyPr wrap="square" rtlCol="0">
+            <a:spAutoFit/>
+          </a:bodyPr>
+          <a:lstStyle/>
+          <a:p>
+            <a:r>
+              <a:rPr lang="en-US" dirty="0" smtClean="0">
+                <a:solidFill>
+                  <a:schemeClr val="bg1"/>
+                </a:solidFill>
+                <a:latin typeface="Consolas"/>
+                <a:cs typeface="Consolas"/>
+              </a:rPr>
+              <a:t>Evil </a:t>
+            </a:r>
+            <a:r>
+              <a:rPr lang="en-US" dirty="0" err="1" smtClean="0">
+                <a:solidFill>
+                  <a:schemeClr val="bg1"/>
+                </a:solidFill>
+                <a:latin typeface="Consolas"/>
+                <a:cs typeface="Consolas"/>
+              </a:rPr>
+              <a:t>Dr</a:t>
+            </a:r>
+            <a:r>
+              <a:rPr lang="en-US" dirty="0" smtClean="0">
+                <a:solidFill>
+                  <a:schemeClr val="bg1"/>
+                </a:solidFill>
+                <a:latin typeface="Consolas"/>
+                <a:cs typeface="Consolas"/>
+              </a:rPr>
+              <a:t> Darwin is planning to create the ultimate killing creature using evolution</a:t>
+            </a:r>
+            <a:endParaRPr lang="en-US" dirty="0">
+              <a:solidFill>
+                <a:schemeClr val="bg1"/>
+              </a:solidFill>
+              <a:latin typeface="Consolas"/>
+              <a:cs typeface="Consolas"/>
+            </a:endParaRPr>
+          </a:p>
+        </p:txBody>
+      </p:sp>
+      <p:pic>
+        <p:nvPicPr>
+          <p:cNvPr id="15" name="Picture 14" descr="darwin.bmp"/>
+          <p:cNvPicPr>
+            <a:picLocks noChangeAspect="1"/>
+          </p:cNvPicPr>
+          <p:nvPr/>
+        </p:nvPicPr>
+        <p:blipFill>
+          <a:blip r:embed="rId2">
+            <a:extLst>
+              <a:ext uri="{28A0092B-C50C-407E-A947-70E740481C1C}">
+                <a14:useLocalDpi xmlns:a14="http://schemas.microsoft.com/office/drawing/2010/main" val="0"/>
+              </a:ext>
+            </a:extLst>
+          </a:blip>
+          <a:stretch>
+            <a:fillRect/>
+          </a:stretch>
+        </p:blipFill>
+        <p:spPr>
+          <a:xfrm>
+            <a:off x="796410" y="388107"/>
+            <a:ext cx="812800" cy="812800"/>
+          </a:xfrm>
+          <a:prstGeom prst="rect">
+            <a:avLst/>
+          </a:prstGeom>
+        </p:spPr>
+      </p:pic>
+      <p:pic>
+        <p:nvPicPr>
+          <p:cNvPr id="16" name="Picture 15" descr="Screen Shot 2018-07-14 at 2.31.13 PM.png"/>
+          <p:cNvPicPr>
+            <a:picLocks noChangeAspect="1"/>
+          </p:cNvPicPr>
+          <p:nvPr/>
+        </p:nvPicPr>
+        <p:blipFill rotWithShape="1">
+          <a:blip r:embed="rId3">
+            <a:extLst>
+              <a:ext uri="{28A0092B-C50C-407E-A947-70E740481C1C}">
+                <a14:useLocalDpi xmlns:a14="http://schemas.microsoft.com/office/drawing/2010/main" val="0"/>
+              </a:ext>
+            </a:extLst>
+          </a:blip>
+          <a:srcRect l="17682" t="60765" r="17250" b="8675"/>
+          <a:stretch/>
+        </p:blipFill>
+        <p:spPr>
+          <a:xfrm>
+            <a:off x="605632" y="2946075"/>
+            <a:ext cx="1528778" cy="970264"/>
+          </a:xfrm>
+          <a:prstGeom prst="rect">
+            <a:avLst/>
+          </a:prstGeom>
+        </p:spPr>
+      </p:pic>
+      <p:sp>
+        <p:nvSpPr>
+          <p:cNvPr id="17" name="TextBox 16"/>
+          <p:cNvSpPr txBox="1"/>
+          <p:nvPr/>
+        </p:nvSpPr>
+        <p:spPr>
+          <a:xfrm>
+            <a:off x="1067329" y="2075268"/>
+            <a:ext cx="5874033" cy="646331"/>
+          </a:xfrm>
+          <a:prstGeom prst="rect">
+            <a:avLst/>
+          </a:prstGeom>
+          <a:noFill/>
+          <a:ln w="38100" cmpd="sng">
+            <a:noFill/>
+          </a:ln>
+        </p:spPr>
+        <p:txBody>
+          <a:bodyPr wrap="square" rtlCol="0">
+            <a:spAutoFit/>
+          </a:bodyPr>
+          <a:lstStyle/>
+          <a:p>
+            <a:r>
+              <a:rPr lang="en-US" dirty="0" smtClean="0">
+                <a:solidFill>
+                  <a:schemeClr val="bg1"/>
+                </a:solidFill>
+                <a:latin typeface="Consolas"/>
+                <a:cs typeface="Consolas"/>
+              </a:rPr>
+              <a:t>This health bar shows you how much health the creature has left</a:t>
+            </a:r>
+            <a:endParaRPr lang="en-US" dirty="0">
+              <a:solidFill>
+                <a:schemeClr val="bg1"/>
+              </a:solidFill>
+              <a:latin typeface="Consolas"/>
+              <a:cs typeface="Consolas"/>
+            </a:endParaRPr>
+          </a:p>
+        </p:txBody>
+      </p:sp>
+      <p:sp>
+        <p:nvSpPr>
+          <p:cNvPr id="18" name="TextBox 17"/>
+          <p:cNvSpPr txBox="1"/>
+          <p:nvPr/>
+        </p:nvSpPr>
+        <p:spPr>
+          <a:xfrm>
+            <a:off x="2860226" y="2946075"/>
+            <a:ext cx="5874033" cy="646331"/>
+          </a:xfrm>
+          <a:prstGeom prst="rect">
+            <a:avLst/>
+          </a:prstGeom>
+          <a:noFill/>
+          <a:ln w="38100" cmpd="sng">
+            <a:noFill/>
+          </a:ln>
+        </p:spPr>
+        <p:txBody>
+          <a:bodyPr wrap="square" rtlCol="0">
+            <a:spAutoFit/>
+          </a:bodyPr>
+          <a:lstStyle/>
+          <a:p>
+            <a:r>
+              <a:rPr lang="en-US" dirty="0" smtClean="0">
+                <a:solidFill>
+                  <a:schemeClr val="bg1"/>
+                </a:solidFill>
+                <a:latin typeface="Consolas"/>
+                <a:cs typeface="Consolas"/>
+              </a:rPr>
+              <a:t>The creatures have eyes which turn green when they detect you in their periphery</a:t>
+            </a:r>
+            <a:endParaRPr lang="en-US" dirty="0">
+              <a:solidFill>
+                <a:schemeClr val="bg1"/>
+              </a:solidFill>
+              <a:latin typeface="Consolas"/>
+              <a:cs typeface="Consolas"/>
+            </a:endParaRPr>
+          </a:p>
+        </p:txBody>
+      </p:sp>
+      <p:sp>
+        <p:nvSpPr>
+          <p:cNvPr id="21" name="Isosceles Triangle 20"/>
+          <p:cNvSpPr/>
+          <p:nvPr/>
+        </p:nvSpPr>
+        <p:spPr>
+          <a:xfrm rot="18759158">
+            <a:off x="665485" y="3362582"/>
+            <a:ext cx="1922732" cy="628691"/>
+          </a:xfrm>
+          <a:prstGeom prst="triangle">
+            <a:avLst/>
+          </a:prstGeom>
+          <a:solidFill>
+            <a:schemeClr val="bg1">
+              <a:alpha val="44000"/>
+            </a:schemeClr>
+          </a:solidFill>
+          <a:ln>
+            <a:noFill/>
+          </a:ln>
+        </p:spPr>
+        <p:style>
+          <a:lnRef idx="1">
+            <a:schemeClr val="accent1"/>
+          </a:lnRef>
+          <a:fillRef idx="3">
+            <a:schemeClr val="accent1"/>
+          </a:fillRef>
+          <a:effectRef idx="2">
+            <a:schemeClr val="accent1"/>
+          </a:effectRef>
+          <a:fontRef idx="minor">
+            <a:schemeClr val="lt1"/>
+          </a:fontRef>
+        </p:style>
+        <p:txBody>
+          <a:bodyPr rtlCol="0" anchor="ctr"/>
+          <a:lstStyle/>
+          <a:p>
+            <a:pPr algn="ctr"/>
+            <a:endParaRPr lang="en-US"/>
+          </a:p>
+        </p:txBody>
+      </p:sp>
+      <p:sp>
+        <p:nvSpPr>
+          <p:cNvPr id="23" name="TextBox 22"/>
+          <p:cNvSpPr txBox="1"/>
+          <p:nvPr/>
+        </p:nvSpPr>
+        <p:spPr>
+          <a:xfrm>
+            <a:off x="2860226" y="5285977"/>
+            <a:ext cx="5874033" cy="923330"/>
+          </a:xfrm>
+          <a:prstGeom prst="rect">
+            <a:avLst/>
+          </a:prstGeom>
+          <a:noFill/>
+          <a:ln w="38100" cmpd="sng">
+            <a:noFill/>
+          </a:ln>
+        </p:spPr>
+        <p:txBody>
+          <a:bodyPr wrap="square" rtlCol="0">
+            <a:spAutoFit/>
+          </a:bodyPr>
+          <a:lstStyle/>
+          <a:p>
+            <a:r>
+              <a:rPr lang="en-US" dirty="0" smtClean="0">
+                <a:solidFill>
+                  <a:schemeClr val="bg1"/>
+                </a:solidFill>
+                <a:latin typeface="Consolas"/>
+                <a:cs typeface="Consolas"/>
+              </a:rPr>
+              <a:t>Move using arrow keys and shoot creatures using the spacebar but be careful as shooting decreases your health</a:t>
+            </a:r>
+            <a:endParaRPr lang="en-US" dirty="0">
+              <a:solidFill>
+                <a:schemeClr val="bg1"/>
+              </a:solidFill>
+              <a:latin typeface="Consolas"/>
+              <a:cs typeface="Consolas"/>
+            </a:endParaRPr>
+          </a:p>
+        </p:txBody>
+      </p:sp>
+    </p:spTree>
+    <p:extLst>
+      <p:ext uri="{BB962C8B-B14F-4D97-AF65-F5344CB8AC3E}">
+        <p14:creationId xmlns:p14="http://schemas.microsoft.com/office/powerpoint/2010/main" val="3396903437"/>
+      </p:ext>
+    </p:extLst>
+  </p:cSld>
+  <p:clrMapOvr>
+    <a:masterClrMapping/>
+  </p:clrMapOvr>
+</p:sld>
+</file>
+
+<file path=ppt/slides/slide8.xml><?xml version="1.0" encoding="utf-8"?>
+<p:sld xmlns:a="http://schemas.openxmlformats.org/drawingml/2006/main" xmlns:r="http://schemas.openxmlformats.org/officeDocument/2006/relationships" xmlns:p="http://schemas.openxmlformats.org/presentationml/2006/main">
+  <p:cSld>
+    <p:spTree>
+      <p:nvGrpSpPr>
+        <p:cNvPr id="1" name=""/>
+        <p:cNvGrpSpPr/>
+        <p:nvPr/>
+      </p:nvGrpSpPr>
+      <p:grpSpPr>
+        <a:xfrm>
+          <a:off x="0" y="0"/>
+          <a:ext cx="0" cy="0"/>
+          <a:chOff x="0" y="0"/>
+          <a:chExt cx="0" cy="0"/>
+        </a:xfrm>
+      </p:grpSpPr>
+      <p:sp>
+        <p:nvSpPr>
+          <p:cNvPr id="4" name="Rectangle 3"/>
+          <p:cNvSpPr/>
+          <p:nvPr/>
+        </p:nvSpPr>
+        <p:spPr>
+          <a:xfrm>
+            <a:off x="-299875" y="-141129"/>
+            <a:ext cx="9443877" cy="6999130"/>
+          </a:xfrm>
+          <a:prstGeom prst="rect">
+            <a:avLst/>
+          </a:prstGeom>
+          <a:solidFill>
+            <a:schemeClr val="tx1"/>
+          </a:solidFill>
+          <a:ln>
+            <a:noFill/>
+          </a:ln>
+          <a:effectLst/>
+        </p:spPr>
+        <p:style>
+          <a:lnRef idx="1">
+            <a:schemeClr val="accent1"/>
+          </a:lnRef>
+          <a:fillRef idx="3">
+            <a:schemeClr val="accent1"/>
+          </a:fillRef>
+          <a:effectRef idx="2">
+            <a:schemeClr val="accent1"/>
+          </a:effectRef>
+          <a:fontRef idx="minor">
+            <a:schemeClr val="lt1"/>
+          </a:fontRef>
+        </p:style>
+        <p:txBody>
+          <a:bodyPr rtlCol="0" anchor="ctr"/>
+          <a:lstStyle/>
+          <a:p>
+            <a:pPr algn="ctr"/>
+            <a:endParaRPr lang="en-US"/>
+          </a:p>
+        </p:txBody>
+      </p:sp>
+      <p:sp>
+        <p:nvSpPr>
+          <p:cNvPr id="14" name="TextBox 13"/>
+          <p:cNvSpPr txBox="1"/>
+          <p:nvPr/>
+        </p:nvSpPr>
+        <p:spPr>
+          <a:xfrm>
+            <a:off x="2343748" y="388107"/>
+            <a:ext cx="5874033" cy="646331"/>
+          </a:xfrm>
+          <a:prstGeom prst="rect">
+            <a:avLst/>
+          </a:prstGeom>
+          <a:noFill/>
+          <a:ln w="38100" cmpd="sng">
+            <a:noFill/>
+          </a:ln>
+        </p:spPr>
+        <p:txBody>
+          <a:bodyPr wrap="square" rtlCol="0">
+            <a:spAutoFit/>
+          </a:bodyPr>
+          <a:lstStyle/>
+          <a:p>
+            <a:r>
+              <a:rPr lang="en-US" dirty="0" smtClean="0">
+                <a:solidFill>
+                  <a:schemeClr val="bg1"/>
+                </a:solidFill>
+                <a:latin typeface="Consolas"/>
+                <a:cs typeface="Consolas"/>
+              </a:rPr>
+              <a:t>Evil </a:t>
+            </a:r>
+            <a:r>
+              <a:rPr lang="en-US" dirty="0" err="1" smtClean="0">
+                <a:solidFill>
+                  <a:schemeClr val="bg1"/>
+                </a:solidFill>
+                <a:latin typeface="Consolas"/>
+                <a:cs typeface="Consolas"/>
+              </a:rPr>
+              <a:t>Dr</a:t>
+            </a:r>
+            <a:r>
+              <a:rPr lang="en-US" dirty="0" smtClean="0">
+                <a:solidFill>
+                  <a:schemeClr val="bg1"/>
+                </a:solidFill>
+                <a:latin typeface="Consolas"/>
+                <a:cs typeface="Consolas"/>
+              </a:rPr>
+              <a:t> Darwin is planning to create the ultimate killing creature using evolution</a:t>
+            </a:r>
+            <a:endParaRPr lang="en-US" dirty="0">
+              <a:solidFill>
+                <a:schemeClr val="bg1"/>
+              </a:solidFill>
+              <a:latin typeface="Consolas"/>
+              <a:cs typeface="Consolas"/>
+            </a:endParaRPr>
+          </a:p>
+        </p:txBody>
+      </p:sp>
+      <p:pic>
+        <p:nvPicPr>
+          <p:cNvPr id="15" name="Picture 14" descr="darwin.bmp"/>
+          <p:cNvPicPr>
+            <a:picLocks noChangeAspect="1"/>
+          </p:cNvPicPr>
+          <p:nvPr/>
+        </p:nvPicPr>
+        <p:blipFill>
+          <a:blip r:embed="rId2">
+            <a:extLst>
+              <a:ext uri="{28A0092B-C50C-407E-A947-70E740481C1C}">
+                <a14:useLocalDpi xmlns:a14="http://schemas.microsoft.com/office/drawing/2010/main" val="0"/>
+              </a:ext>
+            </a:extLst>
+          </a:blip>
+          <a:stretch>
+            <a:fillRect/>
+          </a:stretch>
+        </p:blipFill>
+        <p:spPr>
+          <a:xfrm>
+            <a:off x="796410" y="388107"/>
+            <a:ext cx="812800" cy="812800"/>
+          </a:xfrm>
+          <a:prstGeom prst="rect">
+            <a:avLst/>
+          </a:prstGeom>
+        </p:spPr>
+      </p:pic>
+      <p:sp>
+        <p:nvSpPr>
+          <p:cNvPr id="10" name="Rectangle 9"/>
+          <p:cNvSpPr/>
+          <p:nvPr/>
+        </p:nvSpPr>
+        <p:spPr>
+          <a:xfrm>
+            <a:off x="8711999" y="0"/>
+            <a:ext cx="432002" cy="6858000"/>
+          </a:xfrm>
+          <a:prstGeom prst="rect">
+            <a:avLst/>
+          </a:prstGeom>
+          <a:gradFill flip="none" rotWithShape="1">
+            <a:gsLst>
+              <a:gs pos="100000">
+                <a:schemeClr val="accent2">
+                  <a:lumMod val="75000"/>
+                </a:schemeClr>
+              </a:gs>
+              <a:gs pos="0">
+                <a:srgbClr val="FFFFFF">
+                  <a:alpha val="0"/>
+                </a:srgbClr>
+              </a:gs>
+            </a:gsLst>
+            <a:lin ang="0" scaled="1"/>
+            <a:tileRect/>
+          </a:gradFill>
+          <a:ln>
+            <a:noFill/>
+          </a:ln>
+          <a:effectLst/>
+        </p:spPr>
+        <p:style>
+          <a:lnRef idx="1">
+            <a:schemeClr val="accent1"/>
+          </a:lnRef>
+          <a:fillRef idx="3">
+            <a:schemeClr val="accent1"/>
+          </a:fillRef>
+          <a:effectRef idx="2">
+            <a:schemeClr val="accent1"/>
+          </a:effectRef>
+          <a:fontRef idx="minor">
+            <a:schemeClr val="lt1"/>
+          </a:fontRef>
+        </p:style>
+        <p:txBody>
+          <a:bodyPr rtlCol="0" anchor="ctr"/>
+          <a:lstStyle/>
+          <a:p>
+            <a:pPr algn="ctr"/>
+            <a:endParaRPr lang="en-US"/>
+          </a:p>
+        </p:txBody>
+      </p:sp>
+    </p:spTree>
+    <p:extLst>
+      <p:ext uri="{BB962C8B-B14F-4D97-AF65-F5344CB8AC3E}">
+        <p14:creationId xmlns:p14="http://schemas.microsoft.com/office/powerpoint/2010/main" val="1111093130"/>
+      </p:ext>
+    </p:extLst>
+  </p:cSld>
+  <p:clrMapOvr>
+    <a:masterClrMapping/>
+  </p:clrMapOvr>
+  <p:timing>
+    <p:tnLst>
+      <p:par>
+        <p:cTn xmlns:p14="http://schemas.microsoft.com/office/powerpoint/2010/main" id="1" dur="indefinite" restart="never" nodeType="tmRoot"/>
+      </p:par>
+    </p:tnLst>
+  </p:timing>
+</p:sld>
+</file>
+
+<file path=ppt/slides/slide9.xml><?xml version="1.0" encoding="utf-8"?>
+<p:sld xmlns:a="http://schemas.openxmlformats.org/drawingml/2006/main" xmlns:r="http://schemas.openxmlformats.org/officeDocument/2006/relationships" xmlns:p="http://schemas.openxmlformats.org/presentationml/2006/main">
+  <p:cSld>
+    <p:spTree>
+      <p:nvGrpSpPr>
+        <p:cNvPr id="1" name=""/>
+        <p:cNvGrpSpPr/>
+        <p:nvPr/>
+      </p:nvGrpSpPr>
+      <p:grpSpPr>
+        <a:xfrm>
+          <a:off x="0" y="0"/>
+          <a:ext cx="0" cy="0"/>
+          <a:chOff x="0" y="0"/>
+          <a:chExt cx="0" cy="0"/>
+        </a:xfrm>
+      </p:grpSpPr>
+      <p:sp>
+        <p:nvSpPr>
+          <p:cNvPr id="5" name="Left Arrow 4"/>
+          <p:cNvSpPr/>
+          <p:nvPr/>
+        </p:nvSpPr>
+        <p:spPr>
+          <a:xfrm flipH="1">
+            <a:off x="5388429" y="2449286"/>
+            <a:ext cx="1977571" cy="1669143"/>
+          </a:xfrm>
+          <a:prstGeom prst="leftArrow">
+            <a:avLst/>
+          </a:prstGeom>
+          <a:solidFill>
+            <a:schemeClr val="tx1"/>
+          </a:solidFill>
+          <a:ln>
+            <a:noFill/>
+          </a:ln>
+          <a:effectLst/>
+        </p:spPr>
+        <p:style>
+          <a:lnRef idx="1">
+            <a:schemeClr val="accent1"/>
+          </a:lnRef>
+          <a:fillRef idx="3">
+            <a:schemeClr val="accent1"/>
+          </a:fillRef>
+          <a:effectRef idx="2">
+            <a:schemeClr val="accent1"/>
+          </a:effectRef>
+          <a:fontRef idx="minor">
+            <a:schemeClr val="lt1"/>
+          </a:fontRef>
+        </p:style>
+        <p:txBody>
+          <a:bodyPr rtlCol="0" anchor="ctr"/>
+          <a:lstStyle/>
+          <a:p>
+            <a:pPr algn="ctr"/>
+            <a:endParaRPr lang="en-US"/>
+          </a:p>
+        </p:txBody>
+      </p:sp>
+    </p:spTree>
+    <p:extLst>
+      <p:ext uri="{BB962C8B-B14F-4D97-AF65-F5344CB8AC3E}">
+        <p14:creationId xmlns:p14="http://schemas.microsoft.com/office/powerpoint/2010/main" val="670631785"/>
       </p:ext>
     </p:extLst>
   </p:cSld>

--- a/resources/Presentation1.pptx
+++ b/resources/Presentation1.pptx
@@ -296,7 +296,7 @@
           <a:p>
             <a:fld id="{52F25E00-0E50-1E46-B438-41C2AF5E2D41}" type="datetimeFigureOut">
               <a:rPr lang="en-US" smtClean="0"/>
-              <a:t>24/07/18</a:t>
+              <a:t>30/07/18</a:t>
             </a:fld>
             <a:endParaRPr lang="en-US"/>
           </a:p>
@@ -466,7 +466,7 @@
           <a:p>
             <a:fld id="{52F25E00-0E50-1E46-B438-41C2AF5E2D41}" type="datetimeFigureOut">
               <a:rPr lang="en-US" smtClean="0"/>
-              <a:t>24/07/18</a:t>
+              <a:t>30/07/18</a:t>
             </a:fld>
             <a:endParaRPr lang="en-US"/>
           </a:p>
@@ -646,7 +646,7 @@
           <a:p>
             <a:fld id="{52F25E00-0E50-1E46-B438-41C2AF5E2D41}" type="datetimeFigureOut">
               <a:rPr lang="en-US" smtClean="0"/>
-              <a:t>24/07/18</a:t>
+              <a:t>30/07/18</a:t>
             </a:fld>
             <a:endParaRPr lang="en-US"/>
           </a:p>
@@ -816,7 +816,7 @@
           <a:p>
             <a:fld id="{52F25E00-0E50-1E46-B438-41C2AF5E2D41}" type="datetimeFigureOut">
               <a:rPr lang="en-US" smtClean="0"/>
-              <a:t>24/07/18</a:t>
+              <a:t>30/07/18</a:t>
             </a:fld>
             <a:endParaRPr lang="en-US"/>
           </a:p>
@@ -1062,7 +1062,7 @@
           <a:p>
             <a:fld id="{52F25E00-0E50-1E46-B438-41C2AF5E2D41}" type="datetimeFigureOut">
               <a:rPr lang="en-US" smtClean="0"/>
-              <a:t>24/07/18</a:t>
+              <a:t>30/07/18</a:t>
             </a:fld>
             <a:endParaRPr lang="en-US"/>
           </a:p>
@@ -1350,7 +1350,7 @@
           <a:p>
             <a:fld id="{52F25E00-0E50-1E46-B438-41C2AF5E2D41}" type="datetimeFigureOut">
               <a:rPr lang="en-US" smtClean="0"/>
-              <a:t>24/07/18</a:t>
+              <a:t>30/07/18</a:t>
             </a:fld>
             <a:endParaRPr lang="en-US"/>
           </a:p>
@@ -1772,7 +1772,7 @@
           <a:p>
             <a:fld id="{52F25E00-0E50-1E46-B438-41C2AF5E2D41}" type="datetimeFigureOut">
               <a:rPr lang="en-US" smtClean="0"/>
-              <a:t>24/07/18</a:t>
+              <a:t>30/07/18</a:t>
             </a:fld>
             <a:endParaRPr lang="en-US"/>
           </a:p>
@@ -1890,7 +1890,7 @@
           <a:p>
             <a:fld id="{52F25E00-0E50-1E46-B438-41C2AF5E2D41}" type="datetimeFigureOut">
               <a:rPr lang="en-US" smtClean="0"/>
-              <a:t>24/07/18</a:t>
+              <a:t>30/07/18</a:t>
             </a:fld>
             <a:endParaRPr lang="en-US"/>
           </a:p>
@@ -1985,7 +1985,7 @@
           <a:p>
             <a:fld id="{52F25E00-0E50-1E46-B438-41C2AF5E2D41}" type="datetimeFigureOut">
               <a:rPr lang="en-US" smtClean="0"/>
-              <a:t>24/07/18</a:t>
+              <a:t>30/07/18</a:t>
             </a:fld>
             <a:endParaRPr lang="en-US"/>
           </a:p>
@@ -2262,7 +2262,7 @@
           <a:p>
             <a:fld id="{52F25E00-0E50-1E46-B438-41C2AF5E2D41}" type="datetimeFigureOut">
               <a:rPr lang="en-US" smtClean="0"/>
-              <a:t>24/07/18</a:t>
+              <a:t>30/07/18</a:t>
             </a:fld>
             <a:endParaRPr lang="en-US"/>
           </a:p>
@@ -2515,7 +2515,7 @@
           <a:p>
             <a:fld id="{52F25E00-0E50-1E46-B438-41C2AF5E2D41}" type="datetimeFigureOut">
               <a:rPr lang="en-US" smtClean="0"/>
-              <a:t>24/07/18</a:t>
+              <a:t>30/07/18</a:t>
             </a:fld>
             <a:endParaRPr lang="en-US"/>
           </a:p>
@@ -2728,7 +2728,7 @@
           <a:p>
             <a:fld id="{52F25E00-0E50-1E46-B438-41C2AF5E2D41}" type="datetimeFigureOut">
               <a:rPr lang="en-US" smtClean="0"/>
-              <a:t>24/07/18</a:t>
+              <a:t>30/07/18</a:t>
             </a:fld>
             <a:endParaRPr lang="en-US"/>
           </a:p>
@@ -3105,222 +3105,37 @@
       </p:grpSpPr>
       <p:grpSp>
         <p:nvGrpSpPr>
-          <p:cNvPr id="2" name="Group 1"/>
+          <p:cNvPr id="23" name="Group 22"/>
           <p:cNvGrpSpPr/>
           <p:nvPr/>
         </p:nvGrpSpPr>
         <p:grpSpPr>
           <a:xfrm>
-            <a:off x="2499146" y="1720001"/>
-            <a:ext cx="4414341" cy="3698038"/>
-            <a:chOff x="2499145" y="1720001"/>
-            <a:chExt cx="4414341" cy="3698038"/>
+            <a:off x="2499145" y="508000"/>
+            <a:ext cx="4414342" cy="4910039"/>
+            <a:chOff x="2499145" y="508000"/>
+            <a:chExt cx="4414342" cy="4910039"/>
           </a:xfrm>
         </p:grpSpPr>
-        <p:sp>
-          <p:nvSpPr>
-            <p:cNvPr id="5" name="Trapezoid 4"/>
-            <p:cNvSpPr/>
+        <p:cxnSp>
+          <p:nvCxnSpPr>
+            <p:cNvPr id="21" name="Curved Connector 20"/>
+            <p:cNvCxnSpPr/>
             <p:nvPr/>
-          </p:nvSpPr>
+          </p:nvCxnSpPr>
           <p:spPr>
-            <a:xfrm>
-              <a:off x="3888637" y="2857868"/>
-              <a:ext cx="1641230" cy="1584763"/>
+            <a:xfrm rot="10800000">
+              <a:off x="2870479" y="1272662"/>
+              <a:ext cx="1047466" cy="812109"/>
             </a:xfrm>
-            <a:prstGeom prst="trapezoid">
+            <a:prstGeom prst="curvedConnector3">
               <a:avLst/>
             </a:prstGeom>
-            <a:solidFill>
-              <a:schemeClr val="accent6">
-                <a:lumMod val="60000"/>
-                <a:lumOff val="40000"/>
-              </a:schemeClr>
-            </a:solidFill>
-            <a:ln>
+            <a:ln w="101600" cmpd="sng">
               <a:solidFill>
-                <a:schemeClr val="tx1"/>
-              </a:solidFill>
-            </a:ln>
-            <a:effectLst/>
-          </p:spPr>
-          <p:style>
-            <a:lnRef idx="1">
-              <a:schemeClr val="accent1"/>
-            </a:lnRef>
-            <a:fillRef idx="3">
-              <a:schemeClr val="accent1"/>
-            </a:fillRef>
-            <a:effectRef idx="2">
-              <a:schemeClr val="accent1"/>
-            </a:effectRef>
-            <a:fontRef idx="minor">
-              <a:schemeClr val="lt1"/>
-            </a:fontRef>
-          </p:style>
-          <p:txBody>
-            <a:bodyPr rtlCol="0" anchor="ctr"/>
-            <a:lstStyle/>
-            <a:p>
-              <a:pPr algn="ctr"/>
-              <a:endParaRPr lang="en-US"/>
-            </a:p>
-          </p:txBody>
-        </p:sp>
-        <p:sp>
-          <p:nvSpPr>
-            <p:cNvPr id="4" name="Hexagon 3"/>
-            <p:cNvSpPr/>
-            <p:nvPr/>
-          </p:nvSpPr>
-          <p:spPr>
-            <a:xfrm>
-              <a:off x="2499145" y="4314365"/>
-              <a:ext cx="4414341" cy="1103674"/>
-            </a:xfrm>
-            <a:prstGeom prst="hexagon">
-              <a:avLst/>
-            </a:prstGeom>
-            <a:solidFill>
-              <a:schemeClr val="accent2">
-                <a:lumMod val="60000"/>
-                <a:lumOff val="40000"/>
-              </a:schemeClr>
-            </a:solidFill>
-            <a:ln>
-              <a:solidFill>
-                <a:schemeClr val="tx1"/>
-              </a:solidFill>
-            </a:ln>
-            <a:effectLst/>
-          </p:spPr>
-          <p:style>
-            <a:lnRef idx="1">
-              <a:schemeClr val="accent1"/>
-            </a:lnRef>
-            <a:fillRef idx="3">
-              <a:schemeClr val="accent1"/>
-            </a:fillRef>
-            <a:effectRef idx="2">
-              <a:schemeClr val="accent1"/>
-            </a:effectRef>
-            <a:fontRef idx="minor">
-              <a:schemeClr val="lt1"/>
-            </a:fontRef>
-          </p:style>
-          <p:txBody>
-            <a:bodyPr rtlCol="0" anchor="ctr"/>
-            <a:lstStyle/>
-            <a:p>
-              <a:pPr algn="ctr"/>
-              <a:endParaRPr lang="en-US"/>
-            </a:p>
-          </p:txBody>
-        </p:sp>
-        <p:sp>
-          <p:nvSpPr>
-            <p:cNvPr id="6" name="Snip Same Side Corner Rectangle 5"/>
-            <p:cNvSpPr/>
-            <p:nvPr/>
-          </p:nvSpPr>
-          <p:spPr>
-            <a:xfrm>
-              <a:off x="3888637" y="1720001"/>
-              <a:ext cx="1641230" cy="1358369"/>
-            </a:xfrm>
-            <a:prstGeom prst="snip2SameRect">
-              <a:avLst/>
-            </a:prstGeom>
-            <a:solidFill>
-              <a:schemeClr val="bg1">
-                <a:lumMod val="95000"/>
-              </a:schemeClr>
-            </a:solidFill>
-            <a:ln>
-              <a:solidFill>
-                <a:schemeClr val="tx1"/>
-              </a:solidFill>
-            </a:ln>
-            <a:effectLst/>
-          </p:spPr>
-          <p:style>
-            <a:lnRef idx="1">
-              <a:schemeClr val="accent1"/>
-            </a:lnRef>
-            <a:fillRef idx="3">
-              <a:schemeClr val="accent1"/>
-            </a:fillRef>
-            <a:effectRef idx="2">
-              <a:schemeClr val="accent1"/>
-            </a:effectRef>
-            <a:fontRef idx="minor">
-              <a:schemeClr val="lt1"/>
-            </a:fontRef>
-          </p:style>
-          <p:txBody>
-            <a:bodyPr rtlCol="0" anchor="ctr"/>
-            <a:lstStyle/>
-            <a:p>
-              <a:pPr algn="ctr"/>
-              <a:endParaRPr lang="en-US"/>
-            </a:p>
-          </p:txBody>
-        </p:sp>
-        <p:sp>
-          <p:nvSpPr>
-            <p:cNvPr id="13" name="Freeform 12"/>
-            <p:cNvSpPr/>
-            <p:nvPr/>
-          </p:nvSpPr>
-          <p:spPr>
-            <a:xfrm>
-              <a:off x="4122001" y="2654249"/>
-              <a:ext cx="1160177" cy="282992"/>
-            </a:xfrm>
-            <a:custGeom>
-              <a:avLst/>
-              <a:gdLst>
-                <a:gd name="connsiteX0" fmla="*/ 0 w 2116768"/>
-                <a:gd name="connsiteY0" fmla="*/ 0 h 529266"/>
-                <a:gd name="connsiteX1" fmla="*/ 1076024 w 2116768"/>
-                <a:gd name="connsiteY1" fmla="*/ 529235 h 529266"/>
-                <a:gd name="connsiteX2" fmla="*/ 2116768 w 2116768"/>
-                <a:gd name="connsiteY2" fmla="*/ 17641 h 529266"/>
-              </a:gdLst>
-              <a:ahLst/>
-              <a:cxnLst>
-                <a:cxn ang="0">
-                  <a:pos x="connsiteX0" y="connsiteY0"/>
-                </a:cxn>
-                <a:cxn ang="0">
-                  <a:pos x="connsiteX1" y="connsiteY1"/>
-                </a:cxn>
-                <a:cxn ang="0">
-                  <a:pos x="connsiteX2" y="connsiteY2"/>
-                </a:cxn>
-              </a:cxnLst>
-              <a:rect l="l" t="t" r="r" b="b"/>
-              <a:pathLst>
-                <a:path w="2116768" h="529266">
-                  <a:moveTo>
-                    <a:pt x="0" y="0"/>
-                  </a:moveTo>
-                  <a:cubicBezTo>
-                    <a:pt x="361614" y="263147"/>
-                    <a:pt x="723229" y="526295"/>
-                    <a:pt x="1076024" y="529235"/>
-                  </a:cubicBezTo>
-                  <a:cubicBezTo>
-                    <a:pt x="1428819" y="532175"/>
-                    <a:pt x="1925671" y="332242"/>
-                    <a:pt x="2116768" y="17641"/>
-                  </a:cubicBezTo>
-                </a:path>
-              </a:pathLst>
-            </a:custGeom>
-            <a:ln w="38100" cmpd="sng">
-              <a:solidFill>
-                <a:srgbClr val="000000"/>
+                <a:schemeClr val="bg1">
+                  <a:lumMod val="95000"/>
+                </a:schemeClr>
               </a:solidFill>
             </a:ln>
             <a:effectLst/>
@@ -3339,77 +3154,26 @@
               <a:schemeClr val="tx1"/>
             </a:fontRef>
           </p:style>
-          <p:txBody>
-            <a:bodyPr rtlCol="0" anchor="ctr"/>
-            <a:lstStyle/>
-            <a:p>
-              <a:pPr algn="ctr"/>
-              <a:endParaRPr lang="en-US"/>
-            </a:p>
-          </p:txBody>
-        </p:sp>
-        <p:sp>
-          <p:nvSpPr>
-            <p:cNvPr id="14" name="Oval 13"/>
-            <p:cNvSpPr/>
-            <p:nvPr/>
-          </p:nvSpPr>
-          <p:spPr>
-            <a:xfrm>
-              <a:off x="4225815" y="2108128"/>
-              <a:ext cx="264596" cy="264596"/>
-            </a:xfrm>
-            <a:prstGeom prst="ellipse">
-              <a:avLst/>
-            </a:prstGeom>
-            <a:solidFill>
-              <a:schemeClr val="tx1"/>
-            </a:solidFill>
-            <a:ln>
-              <a:noFill/>
-            </a:ln>
-            <a:effectLst/>
-          </p:spPr>
-          <p:style>
-            <a:lnRef idx="1">
-              <a:schemeClr val="accent1"/>
-            </a:lnRef>
-            <a:fillRef idx="3">
-              <a:schemeClr val="accent1"/>
-            </a:fillRef>
-            <a:effectRef idx="2">
-              <a:schemeClr val="accent1"/>
-            </a:effectRef>
-            <a:fontRef idx="minor">
-              <a:schemeClr val="lt1"/>
-            </a:fontRef>
-          </p:style>
-          <p:txBody>
-            <a:bodyPr rtlCol="0" anchor="ctr"/>
-            <a:lstStyle/>
-            <a:p>
-              <a:pPr algn="ctr"/>
-              <a:endParaRPr lang="en-US"/>
-            </a:p>
-          </p:txBody>
-        </p:sp>
+        </p:cxnSp>
         <p:cxnSp>
           <p:nvCxnSpPr>
-            <p:cNvPr id="16" name="Straight Connector 15"/>
+            <p:cNvPr id="22" name="Curved Connector 21"/>
             <p:cNvCxnSpPr/>
             <p:nvPr/>
           </p:nvCxnSpPr>
           <p:spPr>
-            <a:xfrm>
-              <a:off x="4225815" y="1896434"/>
-              <a:ext cx="282236" cy="211694"/>
+            <a:xfrm rot="10800000" flipH="1">
+              <a:off x="5421010" y="1272662"/>
+              <a:ext cx="1047466" cy="812109"/>
             </a:xfrm>
-            <a:prstGeom prst="line">
+            <a:prstGeom prst="curvedConnector3">
               <a:avLst/>
             </a:prstGeom>
-            <a:ln w="38100" cmpd="sng">
+            <a:ln w="101600" cmpd="sng">
               <a:solidFill>
-                <a:schemeClr val="tx1"/>
+                <a:schemeClr val="bg1">
+                  <a:lumMod val="95000"/>
+                </a:schemeClr>
               </a:solidFill>
             </a:ln>
             <a:effectLst/>
@@ -3429,68 +3193,25 @@
             </a:fontRef>
           </p:style>
         </p:cxnSp>
-        <p:sp>
-          <p:nvSpPr>
-            <p:cNvPr id="18" name="Oval 17"/>
-            <p:cNvSpPr/>
-            <p:nvPr/>
-          </p:nvSpPr>
-          <p:spPr>
-            <a:xfrm flipH="1">
-              <a:off x="4929380" y="2110589"/>
-              <a:ext cx="264596" cy="264596"/>
-            </a:xfrm>
-            <a:prstGeom prst="ellipse">
-              <a:avLst/>
-            </a:prstGeom>
-            <a:solidFill>
-              <a:schemeClr val="tx1"/>
-            </a:solidFill>
-            <a:ln>
-              <a:noFill/>
-            </a:ln>
-            <a:effectLst/>
-          </p:spPr>
-          <p:style>
-            <a:lnRef idx="1">
-              <a:schemeClr val="accent1"/>
-            </a:lnRef>
-            <a:fillRef idx="3">
-              <a:schemeClr val="accent1"/>
-            </a:fillRef>
-            <a:effectRef idx="2">
-              <a:schemeClr val="accent1"/>
-            </a:effectRef>
-            <a:fontRef idx="minor">
-              <a:schemeClr val="lt1"/>
-            </a:fontRef>
-          </p:style>
-          <p:txBody>
-            <a:bodyPr rtlCol="0" anchor="ctr"/>
-            <a:lstStyle/>
-            <a:p>
-              <a:pPr algn="ctr"/>
-              <a:endParaRPr lang="en-US"/>
-            </a:p>
-          </p:txBody>
-        </p:sp>
         <p:cxnSp>
           <p:nvCxnSpPr>
-            <p:cNvPr id="19" name="Straight Connector 18"/>
+            <p:cNvPr id="8" name="Curved Connector 7"/>
             <p:cNvCxnSpPr/>
             <p:nvPr/>
           </p:nvCxnSpPr>
           <p:spPr>
-            <a:xfrm flipH="1">
-              <a:off x="4929380" y="1898895"/>
-              <a:ext cx="282236" cy="211694"/>
+            <a:xfrm rot="16200000" flipV="1">
+              <a:off x="3105712" y="991075"/>
+              <a:ext cx="1193858" cy="616857"/>
             </a:xfrm>
-            <a:prstGeom prst="line">
+            <a:prstGeom prst="curvedConnector3">
               <a:avLst/>
             </a:prstGeom>
-            <a:ln w="38100" cmpd="sng">
+            <a:ln w="101600" cmpd="sng">
               <a:solidFill>
-                <a:schemeClr val="tx1"/>
+                <a:schemeClr val="bg1">
+                  <a:lumMod val="95000"/>
+                </a:schemeClr>
               </a:solidFill>
             </a:ln>
             <a:effectLst/>
@@ -3510,6 +3231,571 @@
             </a:fontRef>
           </p:style>
         </p:cxnSp>
+        <p:cxnSp>
+          <p:nvCxnSpPr>
+            <p:cNvPr id="15" name="Curved Connector 14"/>
+            <p:cNvCxnSpPr/>
+            <p:nvPr/>
+          </p:nvCxnSpPr>
+          <p:spPr>
+            <a:xfrm rot="16200000" flipV="1">
+              <a:off x="3542408" y="922233"/>
+              <a:ext cx="1409038" cy="616858"/>
+            </a:xfrm>
+            <a:prstGeom prst="curvedConnector3">
+              <a:avLst/>
+            </a:prstGeom>
+            <a:ln w="101600" cmpd="sng">
+              <a:solidFill>
+                <a:schemeClr val="bg1">
+                  <a:lumMod val="95000"/>
+                </a:schemeClr>
+              </a:solidFill>
+            </a:ln>
+            <a:effectLst/>
+          </p:spPr>
+          <p:style>
+            <a:lnRef idx="2">
+              <a:schemeClr val="accent1"/>
+            </a:lnRef>
+            <a:fillRef idx="0">
+              <a:schemeClr val="accent1"/>
+            </a:fillRef>
+            <a:effectRef idx="1">
+              <a:schemeClr val="accent1"/>
+            </a:effectRef>
+            <a:fontRef idx="minor">
+              <a:schemeClr val="tx1"/>
+            </a:fontRef>
+          </p:style>
+        </p:cxnSp>
+        <p:cxnSp>
+          <p:nvCxnSpPr>
+            <p:cNvPr id="17" name="Curved Connector 16"/>
+            <p:cNvCxnSpPr/>
+            <p:nvPr/>
+          </p:nvCxnSpPr>
+          <p:spPr>
+            <a:xfrm rot="5400000" flipH="1" flipV="1">
+              <a:off x="4993678" y="1143475"/>
+              <a:ext cx="1193858" cy="616857"/>
+            </a:xfrm>
+            <a:prstGeom prst="curvedConnector3">
+              <a:avLst/>
+            </a:prstGeom>
+            <a:ln w="101600" cmpd="sng">
+              <a:solidFill>
+                <a:schemeClr val="bg1">
+                  <a:lumMod val="95000"/>
+                </a:schemeClr>
+              </a:solidFill>
+            </a:ln>
+            <a:effectLst/>
+          </p:spPr>
+          <p:style>
+            <a:lnRef idx="2">
+              <a:schemeClr val="accent1"/>
+            </a:lnRef>
+            <a:fillRef idx="0">
+              <a:schemeClr val="accent1"/>
+            </a:fillRef>
+            <a:effectRef idx="1">
+              <a:schemeClr val="accent1"/>
+            </a:effectRef>
+            <a:fontRef idx="minor">
+              <a:schemeClr val="tx1"/>
+            </a:fontRef>
+          </p:style>
+        </p:cxnSp>
+        <p:cxnSp>
+          <p:nvCxnSpPr>
+            <p:cNvPr id="20" name="Curved Connector 19"/>
+            <p:cNvCxnSpPr/>
+            <p:nvPr/>
+          </p:nvCxnSpPr>
+          <p:spPr>
+            <a:xfrm rot="5400000" flipH="1" flipV="1">
+              <a:off x="4543887" y="904090"/>
+              <a:ext cx="1409038" cy="616858"/>
+            </a:xfrm>
+            <a:prstGeom prst="curvedConnector3">
+              <a:avLst/>
+            </a:prstGeom>
+            <a:ln w="101600" cmpd="sng">
+              <a:solidFill>
+                <a:schemeClr val="bg1">
+                  <a:lumMod val="95000"/>
+                </a:schemeClr>
+              </a:solidFill>
+            </a:ln>
+            <a:effectLst/>
+          </p:spPr>
+          <p:style>
+            <a:lnRef idx="2">
+              <a:schemeClr val="accent1"/>
+            </a:lnRef>
+            <a:fillRef idx="0">
+              <a:schemeClr val="accent1"/>
+            </a:fillRef>
+            <a:effectRef idx="1">
+              <a:schemeClr val="accent1"/>
+            </a:effectRef>
+            <a:fontRef idx="minor">
+              <a:schemeClr val="tx1"/>
+            </a:fontRef>
+          </p:style>
+        </p:cxnSp>
+        <p:grpSp>
+          <p:nvGrpSpPr>
+            <p:cNvPr id="2" name="Group 1"/>
+            <p:cNvGrpSpPr/>
+            <p:nvPr/>
+          </p:nvGrpSpPr>
+          <p:grpSpPr>
+            <a:xfrm>
+              <a:off x="2499146" y="1720001"/>
+              <a:ext cx="4414341" cy="3698038"/>
+              <a:chOff x="2499145" y="1720001"/>
+              <a:chExt cx="4414341" cy="3698038"/>
+            </a:xfrm>
+          </p:grpSpPr>
+          <p:sp>
+            <p:nvSpPr>
+              <p:cNvPr id="5" name="Trapezoid 4"/>
+              <p:cNvSpPr/>
+              <p:nvPr/>
+            </p:nvSpPr>
+            <p:spPr>
+              <a:xfrm>
+                <a:off x="3888637" y="2857868"/>
+                <a:ext cx="1641230" cy="1584763"/>
+              </a:xfrm>
+              <a:prstGeom prst="trapezoid">
+                <a:avLst/>
+              </a:prstGeom>
+              <a:solidFill>
+                <a:schemeClr val="accent6">
+                  <a:lumMod val="60000"/>
+                  <a:lumOff val="40000"/>
+                </a:schemeClr>
+              </a:solidFill>
+              <a:ln>
+                <a:solidFill>
+                  <a:schemeClr val="tx1"/>
+                </a:solidFill>
+              </a:ln>
+              <a:effectLst/>
+            </p:spPr>
+            <p:style>
+              <a:lnRef idx="1">
+                <a:schemeClr val="accent1"/>
+              </a:lnRef>
+              <a:fillRef idx="3">
+                <a:schemeClr val="accent1"/>
+              </a:fillRef>
+              <a:effectRef idx="2">
+                <a:schemeClr val="accent1"/>
+              </a:effectRef>
+              <a:fontRef idx="minor">
+                <a:schemeClr val="lt1"/>
+              </a:fontRef>
+            </p:style>
+            <p:txBody>
+              <a:bodyPr rtlCol="0" anchor="ctr"/>
+              <a:lstStyle/>
+              <a:p>
+                <a:pPr algn="ctr"/>
+                <a:endParaRPr lang="en-US"/>
+              </a:p>
+            </p:txBody>
+          </p:sp>
+          <p:sp>
+            <p:nvSpPr>
+              <p:cNvPr id="4" name="Hexagon 3"/>
+              <p:cNvSpPr/>
+              <p:nvPr/>
+            </p:nvSpPr>
+            <p:spPr>
+              <a:xfrm>
+                <a:off x="2499145" y="4314365"/>
+                <a:ext cx="4414341" cy="1103674"/>
+              </a:xfrm>
+              <a:prstGeom prst="hexagon">
+                <a:avLst/>
+              </a:prstGeom>
+              <a:solidFill>
+                <a:schemeClr val="accent2">
+                  <a:lumMod val="60000"/>
+                  <a:lumOff val="40000"/>
+                </a:schemeClr>
+              </a:solidFill>
+              <a:ln>
+                <a:solidFill>
+                  <a:schemeClr val="tx1"/>
+                </a:solidFill>
+              </a:ln>
+              <a:effectLst/>
+            </p:spPr>
+            <p:style>
+              <a:lnRef idx="1">
+                <a:schemeClr val="accent1"/>
+              </a:lnRef>
+              <a:fillRef idx="3">
+                <a:schemeClr val="accent1"/>
+              </a:fillRef>
+              <a:effectRef idx="2">
+                <a:schemeClr val="accent1"/>
+              </a:effectRef>
+              <a:fontRef idx="minor">
+                <a:schemeClr val="lt1"/>
+              </a:fontRef>
+            </p:style>
+            <p:txBody>
+              <a:bodyPr rtlCol="0" anchor="ctr"/>
+              <a:lstStyle/>
+              <a:p>
+                <a:pPr algn="ctr"/>
+                <a:endParaRPr lang="en-US"/>
+              </a:p>
+            </p:txBody>
+          </p:sp>
+          <p:sp>
+            <p:nvSpPr>
+              <p:cNvPr id="6" name="Snip Same Side Corner Rectangle 5"/>
+              <p:cNvSpPr/>
+              <p:nvPr/>
+            </p:nvSpPr>
+            <p:spPr>
+              <a:xfrm>
+                <a:off x="3888637" y="1720001"/>
+                <a:ext cx="1641230" cy="1358369"/>
+              </a:xfrm>
+              <a:prstGeom prst="snip2SameRect">
+                <a:avLst/>
+              </a:prstGeom>
+              <a:solidFill>
+                <a:schemeClr val="bg1">
+                  <a:lumMod val="95000"/>
+                </a:schemeClr>
+              </a:solidFill>
+              <a:ln>
+                <a:solidFill>
+                  <a:schemeClr val="tx1"/>
+                </a:solidFill>
+              </a:ln>
+              <a:effectLst/>
+            </p:spPr>
+            <p:style>
+              <a:lnRef idx="1">
+                <a:schemeClr val="accent1"/>
+              </a:lnRef>
+              <a:fillRef idx="3">
+                <a:schemeClr val="accent1"/>
+              </a:fillRef>
+              <a:effectRef idx="2">
+                <a:schemeClr val="accent1"/>
+              </a:effectRef>
+              <a:fontRef idx="minor">
+                <a:schemeClr val="lt1"/>
+              </a:fontRef>
+            </p:style>
+            <p:txBody>
+              <a:bodyPr rtlCol="0" anchor="ctr"/>
+              <a:lstStyle/>
+              <a:p>
+                <a:pPr algn="ctr"/>
+                <a:endParaRPr lang="en-US"/>
+              </a:p>
+            </p:txBody>
+          </p:sp>
+          <p:sp>
+            <p:nvSpPr>
+              <p:cNvPr id="13" name="Freeform 12"/>
+              <p:cNvSpPr/>
+              <p:nvPr/>
+            </p:nvSpPr>
+            <p:spPr>
+              <a:xfrm>
+                <a:off x="4122001" y="2654249"/>
+                <a:ext cx="1160177" cy="282992"/>
+              </a:xfrm>
+              <a:custGeom>
+                <a:avLst/>
+                <a:gdLst>
+                  <a:gd name="connsiteX0" fmla="*/ 0 w 2116768"/>
+                  <a:gd name="connsiteY0" fmla="*/ 0 h 529266"/>
+                  <a:gd name="connsiteX1" fmla="*/ 1076024 w 2116768"/>
+                  <a:gd name="connsiteY1" fmla="*/ 529235 h 529266"/>
+                  <a:gd name="connsiteX2" fmla="*/ 2116768 w 2116768"/>
+                  <a:gd name="connsiteY2" fmla="*/ 17641 h 529266"/>
+                </a:gdLst>
+                <a:ahLst/>
+                <a:cxnLst>
+                  <a:cxn ang="0">
+                    <a:pos x="connsiteX0" y="connsiteY0"/>
+                  </a:cxn>
+                  <a:cxn ang="0">
+                    <a:pos x="connsiteX1" y="connsiteY1"/>
+                  </a:cxn>
+                  <a:cxn ang="0">
+                    <a:pos x="connsiteX2" y="connsiteY2"/>
+                  </a:cxn>
+                </a:cxnLst>
+                <a:rect l="l" t="t" r="r" b="b"/>
+                <a:pathLst>
+                  <a:path w="2116768" h="529266">
+                    <a:moveTo>
+                      <a:pt x="0" y="0"/>
+                    </a:moveTo>
+                    <a:cubicBezTo>
+                      <a:pt x="361614" y="263147"/>
+                      <a:pt x="723229" y="526295"/>
+                      <a:pt x="1076024" y="529235"/>
+                    </a:cubicBezTo>
+                    <a:cubicBezTo>
+                      <a:pt x="1428819" y="532175"/>
+                      <a:pt x="1925671" y="332242"/>
+                      <a:pt x="2116768" y="17641"/>
+                    </a:cubicBezTo>
+                  </a:path>
+                </a:pathLst>
+              </a:custGeom>
+              <a:ln w="38100" cmpd="sng">
+                <a:solidFill>
+                  <a:srgbClr val="000000"/>
+                </a:solidFill>
+              </a:ln>
+              <a:effectLst/>
+            </p:spPr>
+            <p:style>
+              <a:lnRef idx="2">
+                <a:schemeClr val="accent1"/>
+              </a:lnRef>
+              <a:fillRef idx="0">
+                <a:schemeClr val="accent1"/>
+              </a:fillRef>
+              <a:effectRef idx="1">
+                <a:schemeClr val="accent1"/>
+              </a:effectRef>
+              <a:fontRef idx="minor">
+                <a:schemeClr val="tx1"/>
+              </a:fontRef>
+            </p:style>
+            <p:txBody>
+              <a:bodyPr rtlCol="0" anchor="ctr"/>
+              <a:lstStyle/>
+              <a:p>
+                <a:pPr algn="ctr"/>
+                <a:endParaRPr lang="en-US"/>
+              </a:p>
+            </p:txBody>
+          </p:sp>
+          <p:sp>
+            <p:nvSpPr>
+              <p:cNvPr id="14" name="Oval 13"/>
+              <p:cNvSpPr/>
+              <p:nvPr/>
+            </p:nvSpPr>
+            <p:spPr>
+              <a:xfrm>
+                <a:off x="4225815" y="2108128"/>
+                <a:ext cx="264596" cy="264596"/>
+              </a:xfrm>
+              <a:prstGeom prst="ellipse">
+                <a:avLst/>
+              </a:prstGeom>
+              <a:solidFill>
+                <a:schemeClr val="tx1"/>
+              </a:solidFill>
+              <a:ln>
+                <a:noFill/>
+              </a:ln>
+              <a:effectLst/>
+            </p:spPr>
+            <p:style>
+              <a:lnRef idx="1">
+                <a:schemeClr val="accent1"/>
+              </a:lnRef>
+              <a:fillRef idx="3">
+                <a:schemeClr val="accent1"/>
+              </a:fillRef>
+              <a:effectRef idx="2">
+                <a:schemeClr val="accent1"/>
+              </a:effectRef>
+              <a:fontRef idx="minor">
+                <a:schemeClr val="lt1"/>
+              </a:fontRef>
+            </p:style>
+            <p:txBody>
+              <a:bodyPr rtlCol="0" anchor="ctr"/>
+              <a:lstStyle/>
+              <a:p>
+                <a:pPr algn="ctr"/>
+                <a:endParaRPr lang="en-US"/>
+              </a:p>
+            </p:txBody>
+          </p:sp>
+          <p:cxnSp>
+            <p:nvCxnSpPr>
+              <p:cNvPr id="16" name="Straight Connector 15"/>
+              <p:cNvCxnSpPr/>
+              <p:nvPr/>
+            </p:nvCxnSpPr>
+            <p:spPr>
+              <a:xfrm>
+                <a:off x="4225815" y="1896434"/>
+                <a:ext cx="282236" cy="211694"/>
+              </a:xfrm>
+              <a:prstGeom prst="line">
+                <a:avLst/>
+              </a:prstGeom>
+              <a:ln w="38100" cmpd="sng">
+                <a:solidFill>
+                  <a:schemeClr val="tx1"/>
+                </a:solidFill>
+              </a:ln>
+              <a:effectLst/>
+            </p:spPr>
+            <p:style>
+              <a:lnRef idx="2">
+                <a:schemeClr val="accent1"/>
+              </a:lnRef>
+              <a:fillRef idx="0">
+                <a:schemeClr val="accent1"/>
+              </a:fillRef>
+              <a:effectRef idx="1">
+                <a:schemeClr val="accent1"/>
+              </a:effectRef>
+              <a:fontRef idx="minor">
+                <a:schemeClr val="tx1"/>
+              </a:fontRef>
+            </p:style>
+          </p:cxnSp>
+          <p:sp>
+            <p:nvSpPr>
+              <p:cNvPr id="18" name="Oval 17"/>
+              <p:cNvSpPr/>
+              <p:nvPr/>
+            </p:nvSpPr>
+            <p:spPr>
+              <a:xfrm flipH="1">
+                <a:off x="4929380" y="2110589"/>
+                <a:ext cx="264596" cy="264596"/>
+              </a:xfrm>
+              <a:prstGeom prst="ellipse">
+                <a:avLst/>
+              </a:prstGeom>
+              <a:solidFill>
+                <a:schemeClr val="tx1"/>
+              </a:solidFill>
+              <a:ln>
+                <a:noFill/>
+              </a:ln>
+              <a:effectLst/>
+            </p:spPr>
+            <p:style>
+              <a:lnRef idx="1">
+                <a:schemeClr val="accent1"/>
+              </a:lnRef>
+              <a:fillRef idx="3">
+                <a:schemeClr val="accent1"/>
+              </a:fillRef>
+              <a:effectRef idx="2">
+                <a:schemeClr val="accent1"/>
+              </a:effectRef>
+              <a:fontRef idx="minor">
+                <a:schemeClr val="lt1"/>
+              </a:fontRef>
+            </p:style>
+            <p:txBody>
+              <a:bodyPr rtlCol="0" anchor="ctr"/>
+              <a:lstStyle/>
+              <a:p>
+                <a:pPr algn="ctr"/>
+                <a:endParaRPr lang="en-US"/>
+              </a:p>
+            </p:txBody>
+          </p:sp>
+          <p:cxnSp>
+            <p:nvCxnSpPr>
+              <p:cNvPr id="19" name="Straight Connector 18"/>
+              <p:cNvCxnSpPr/>
+              <p:nvPr/>
+            </p:nvCxnSpPr>
+            <p:spPr>
+              <a:xfrm flipH="1">
+                <a:off x="4929380" y="1898895"/>
+                <a:ext cx="282236" cy="211694"/>
+              </a:xfrm>
+              <a:prstGeom prst="line">
+                <a:avLst/>
+              </a:prstGeom>
+              <a:ln w="38100" cmpd="sng">
+                <a:solidFill>
+                  <a:schemeClr val="tx1"/>
+                </a:solidFill>
+              </a:ln>
+              <a:effectLst/>
+            </p:spPr>
+            <p:style>
+              <a:lnRef idx="2">
+                <a:schemeClr val="accent1"/>
+              </a:lnRef>
+              <a:fillRef idx="0">
+                <a:schemeClr val="accent1"/>
+              </a:fillRef>
+              <a:effectRef idx="1">
+                <a:schemeClr val="accent1"/>
+              </a:effectRef>
+              <a:fontRef idx="minor">
+                <a:schemeClr val="tx1"/>
+              </a:fontRef>
+            </p:style>
+          </p:cxnSp>
+        </p:grpSp>
+        <p:sp>
+          <p:nvSpPr>
+            <p:cNvPr id="11" name="TextBox 10"/>
+            <p:cNvSpPr txBox="1"/>
+            <p:nvPr/>
+          </p:nvSpPr>
+          <p:spPr>
+            <a:xfrm>
+              <a:off x="2499145" y="4277721"/>
+              <a:ext cx="4414341" cy="1107996"/>
+            </a:xfrm>
+            <a:prstGeom prst="rect">
+              <a:avLst/>
+            </a:prstGeom>
+            <a:noFill/>
+          </p:spPr>
+          <p:txBody>
+            <a:bodyPr wrap="square" rtlCol="0">
+              <a:spAutoFit/>
+            </a:bodyPr>
+            <a:lstStyle/>
+            <a:p>
+              <a:pPr algn="ctr"/>
+              <a:r>
+                <a:rPr lang="en-US" sz="6600" dirty="0" smtClean="0">
+                  <a:solidFill>
+                    <a:schemeClr val="bg1"/>
+                  </a:solidFill>
+                  <a:latin typeface="American Typewriter"/>
+                  <a:cs typeface="American Typewriter"/>
+                </a:rPr>
+                <a:t>DARWIN</a:t>
+              </a:r>
+              <a:endParaRPr lang="en-US" sz="4800" dirty="0">
+                <a:solidFill>
+                  <a:schemeClr val="bg1"/>
+                </a:solidFill>
+                <a:latin typeface="American Typewriter"/>
+                <a:cs typeface="American Typewriter"/>
+              </a:endParaRPr>
+            </a:p>
+          </p:txBody>
+        </p:sp>
       </p:grpSp>
     </p:spTree>
     <p:extLst>
